--- a/SPL-1(1423).pptx
+++ b/SPL-1(1423).pptx
@@ -5,18 +5,19 @@
     <p:sldMasterId id="2147483648" r:id="rId1"/>
   </p:sldMasterIdLst>
   <p:notesMasterIdLst>
-    <p:notesMasterId r:id="rId11"/>
+    <p:notesMasterId r:id="rId12"/>
   </p:notesMasterIdLst>
   <p:sldIdLst>
     <p:sldId id="256" r:id="rId2"/>
     <p:sldId id="257" r:id="rId3"/>
-    <p:sldId id="259" r:id="rId4"/>
-    <p:sldId id="262" r:id="rId5"/>
-    <p:sldId id="263" r:id="rId6"/>
-    <p:sldId id="258" r:id="rId7"/>
+    <p:sldId id="262" r:id="rId4"/>
+    <p:sldId id="259" r:id="rId5"/>
+    <p:sldId id="258" r:id="rId6"/>
+    <p:sldId id="263" r:id="rId7"/>
     <p:sldId id="260" r:id="rId8"/>
-    <p:sldId id="261" r:id="rId9"/>
-    <p:sldId id="264" r:id="rId10"/>
+    <p:sldId id="265" r:id="rId9"/>
+    <p:sldId id="261" r:id="rId10"/>
+    <p:sldId id="264" r:id="rId11"/>
   </p:sldIdLst>
   <p:sldSz cx="12192000" cy="6858000"/>
   <p:notesSz cx="6858000" cy="9144000"/>
@@ -1617,6 +1618,753 @@
 </dgm:colorsDef>
 </file>
 
+<file path=ppt/diagrams/colors3.xml><?xml version="1.0" encoding="utf-8"?>
+<dgm:colorsDef xmlns:dgm="http://schemas.openxmlformats.org/drawingml/2006/diagram" xmlns:a="http://schemas.openxmlformats.org/drawingml/2006/main" uniqueId="urn:microsoft.com/office/officeart/2005/8/colors/accent1_2">
+  <dgm:title val=""/>
+  <dgm:desc val=""/>
+  <dgm:catLst>
+    <dgm:cat type="accent1" pri="11200"/>
+  </dgm:catLst>
+  <dgm:styleLbl name="node0">
+    <dgm:fillClrLst meth="repeat">
+      <a:schemeClr val="accent1"/>
+    </dgm:fillClrLst>
+    <dgm:linClrLst meth="repeat">
+      <a:schemeClr val="lt1"/>
+    </dgm:linClrLst>
+    <dgm:effectClrLst/>
+    <dgm:txLinClrLst/>
+    <dgm:txFillClrLst/>
+    <dgm:txEffectClrLst/>
+  </dgm:styleLbl>
+  <dgm:styleLbl name="alignNode1">
+    <dgm:fillClrLst meth="repeat">
+      <a:schemeClr val="accent1"/>
+    </dgm:fillClrLst>
+    <dgm:linClrLst meth="repeat">
+      <a:schemeClr val="accent1"/>
+    </dgm:linClrLst>
+    <dgm:effectClrLst/>
+    <dgm:txLinClrLst/>
+    <dgm:txFillClrLst/>
+    <dgm:txEffectClrLst/>
+  </dgm:styleLbl>
+  <dgm:styleLbl name="node1">
+    <dgm:fillClrLst meth="repeat">
+      <a:schemeClr val="accent1"/>
+    </dgm:fillClrLst>
+    <dgm:linClrLst meth="repeat">
+      <a:schemeClr val="lt1"/>
+    </dgm:linClrLst>
+    <dgm:effectClrLst/>
+    <dgm:txLinClrLst/>
+    <dgm:txFillClrLst/>
+    <dgm:txEffectClrLst/>
+  </dgm:styleLbl>
+  <dgm:styleLbl name="lnNode1">
+    <dgm:fillClrLst meth="repeat">
+      <a:schemeClr val="accent1"/>
+    </dgm:fillClrLst>
+    <dgm:linClrLst meth="repeat">
+      <a:schemeClr val="lt1"/>
+    </dgm:linClrLst>
+    <dgm:effectClrLst/>
+    <dgm:txLinClrLst/>
+    <dgm:txFillClrLst/>
+    <dgm:txEffectClrLst/>
+  </dgm:styleLbl>
+  <dgm:styleLbl name="vennNode1">
+    <dgm:fillClrLst meth="repeat">
+      <a:schemeClr val="accent1">
+        <a:alpha val="50000"/>
+      </a:schemeClr>
+    </dgm:fillClrLst>
+    <dgm:linClrLst meth="repeat">
+      <a:schemeClr val="lt1"/>
+    </dgm:linClrLst>
+    <dgm:effectClrLst/>
+    <dgm:txLinClrLst/>
+    <dgm:txFillClrLst/>
+    <dgm:txEffectClrLst/>
+  </dgm:styleLbl>
+  <dgm:styleLbl name="node2">
+    <dgm:fillClrLst meth="repeat">
+      <a:schemeClr val="accent1"/>
+    </dgm:fillClrLst>
+    <dgm:linClrLst meth="repeat">
+      <a:schemeClr val="lt1"/>
+    </dgm:linClrLst>
+    <dgm:effectClrLst/>
+    <dgm:txLinClrLst/>
+    <dgm:txFillClrLst/>
+    <dgm:txEffectClrLst/>
+  </dgm:styleLbl>
+  <dgm:styleLbl name="node3">
+    <dgm:fillClrLst meth="repeat">
+      <a:schemeClr val="accent1"/>
+    </dgm:fillClrLst>
+    <dgm:linClrLst meth="repeat">
+      <a:schemeClr val="lt1"/>
+    </dgm:linClrLst>
+    <dgm:effectClrLst/>
+    <dgm:txLinClrLst/>
+    <dgm:txFillClrLst/>
+    <dgm:txEffectClrLst/>
+  </dgm:styleLbl>
+  <dgm:styleLbl name="node4">
+    <dgm:fillClrLst meth="repeat">
+      <a:schemeClr val="accent1"/>
+    </dgm:fillClrLst>
+    <dgm:linClrLst meth="repeat">
+      <a:schemeClr val="lt1"/>
+    </dgm:linClrLst>
+    <dgm:effectClrLst/>
+    <dgm:txLinClrLst/>
+    <dgm:txFillClrLst/>
+    <dgm:txEffectClrLst/>
+  </dgm:styleLbl>
+  <dgm:styleLbl name="fgImgPlace1">
+    <dgm:fillClrLst meth="repeat">
+      <a:schemeClr val="accent1">
+        <a:tint val="50000"/>
+      </a:schemeClr>
+    </dgm:fillClrLst>
+    <dgm:linClrLst meth="repeat">
+      <a:schemeClr val="lt1"/>
+    </dgm:linClrLst>
+    <dgm:effectClrLst/>
+    <dgm:txLinClrLst/>
+    <dgm:txFillClrLst meth="repeat">
+      <a:schemeClr val="lt1"/>
+    </dgm:txFillClrLst>
+    <dgm:txEffectClrLst/>
+  </dgm:styleLbl>
+  <dgm:styleLbl name="alignImgPlace1">
+    <dgm:fillClrLst meth="repeat">
+      <a:schemeClr val="accent1">
+        <a:tint val="50000"/>
+      </a:schemeClr>
+    </dgm:fillClrLst>
+    <dgm:linClrLst meth="repeat">
+      <a:schemeClr val="lt1"/>
+    </dgm:linClrLst>
+    <dgm:effectClrLst/>
+    <dgm:txLinClrLst/>
+    <dgm:txFillClrLst meth="repeat">
+      <a:schemeClr val="lt1"/>
+    </dgm:txFillClrLst>
+    <dgm:txEffectClrLst/>
+  </dgm:styleLbl>
+  <dgm:styleLbl name="bgImgPlace1">
+    <dgm:fillClrLst meth="repeat">
+      <a:schemeClr val="accent1">
+        <a:tint val="50000"/>
+      </a:schemeClr>
+    </dgm:fillClrLst>
+    <dgm:linClrLst meth="repeat">
+      <a:schemeClr val="lt1"/>
+    </dgm:linClrLst>
+    <dgm:effectClrLst/>
+    <dgm:txLinClrLst/>
+    <dgm:txFillClrLst meth="repeat">
+      <a:schemeClr val="lt1"/>
+    </dgm:txFillClrLst>
+    <dgm:txEffectClrLst/>
+  </dgm:styleLbl>
+  <dgm:styleLbl name="sibTrans2D1">
+    <dgm:fillClrLst meth="repeat">
+      <a:schemeClr val="accent1">
+        <a:tint val="60000"/>
+      </a:schemeClr>
+    </dgm:fillClrLst>
+    <dgm:linClrLst meth="repeat">
+      <a:schemeClr val="accent1">
+        <a:tint val="60000"/>
+      </a:schemeClr>
+    </dgm:linClrLst>
+    <dgm:effectClrLst/>
+    <dgm:txLinClrLst/>
+    <dgm:txFillClrLst/>
+    <dgm:txEffectClrLst/>
+  </dgm:styleLbl>
+  <dgm:styleLbl name="fgSibTrans2D1">
+    <dgm:fillClrLst meth="repeat">
+      <a:schemeClr val="accent1">
+        <a:tint val="60000"/>
+      </a:schemeClr>
+    </dgm:fillClrLst>
+    <dgm:linClrLst meth="repeat">
+      <a:schemeClr val="accent1">
+        <a:tint val="60000"/>
+      </a:schemeClr>
+    </dgm:linClrLst>
+    <dgm:effectClrLst/>
+    <dgm:txLinClrLst/>
+    <dgm:txFillClrLst/>
+    <dgm:txEffectClrLst/>
+  </dgm:styleLbl>
+  <dgm:styleLbl name="bgSibTrans2D1">
+    <dgm:fillClrLst meth="repeat">
+      <a:schemeClr val="accent1">
+        <a:tint val="60000"/>
+      </a:schemeClr>
+    </dgm:fillClrLst>
+    <dgm:linClrLst meth="repeat">
+      <a:schemeClr val="accent1">
+        <a:tint val="60000"/>
+      </a:schemeClr>
+    </dgm:linClrLst>
+    <dgm:effectClrLst/>
+    <dgm:txLinClrLst/>
+    <dgm:txFillClrLst/>
+    <dgm:txEffectClrLst/>
+  </dgm:styleLbl>
+  <dgm:styleLbl name="sibTrans1D1">
+    <dgm:fillClrLst meth="repeat">
+      <a:schemeClr val="accent1"/>
+    </dgm:fillClrLst>
+    <dgm:linClrLst meth="repeat">
+      <a:schemeClr val="accent1"/>
+    </dgm:linClrLst>
+    <dgm:effectClrLst/>
+    <dgm:txLinClrLst/>
+    <dgm:txFillClrLst meth="repeat">
+      <a:schemeClr val="tx1"/>
+    </dgm:txFillClrLst>
+    <dgm:txEffectClrLst/>
+  </dgm:styleLbl>
+  <dgm:styleLbl name="callout">
+    <dgm:fillClrLst meth="repeat">
+      <a:schemeClr val="accent1"/>
+    </dgm:fillClrLst>
+    <dgm:linClrLst meth="repeat">
+      <a:schemeClr val="accent1">
+        <a:tint val="50000"/>
+      </a:schemeClr>
+    </dgm:linClrLst>
+    <dgm:effectClrLst/>
+    <dgm:txLinClrLst/>
+    <dgm:txFillClrLst meth="repeat">
+      <a:schemeClr val="tx1"/>
+    </dgm:txFillClrLst>
+    <dgm:txEffectClrLst/>
+  </dgm:styleLbl>
+  <dgm:styleLbl name="asst0">
+    <dgm:fillClrLst meth="repeat">
+      <a:schemeClr val="accent1"/>
+    </dgm:fillClrLst>
+    <dgm:linClrLst meth="repeat">
+      <a:schemeClr val="lt1"/>
+    </dgm:linClrLst>
+    <dgm:effectClrLst/>
+    <dgm:txLinClrLst/>
+    <dgm:txFillClrLst/>
+    <dgm:txEffectClrLst/>
+  </dgm:styleLbl>
+  <dgm:styleLbl name="asst1">
+    <dgm:fillClrLst meth="repeat">
+      <a:schemeClr val="accent1"/>
+    </dgm:fillClrLst>
+    <dgm:linClrLst meth="repeat">
+      <a:schemeClr val="lt1"/>
+    </dgm:linClrLst>
+    <dgm:effectClrLst/>
+    <dgm:txLinClrLst/>
+    <dgm:txFillClrLst/>
+    <dgm:txEffectClrLst/>
+  </dgm:styleLbl>
+  <dgm:styleLbl name="asst2">
+    <dgm:fillClrLst meth="repeat">
+      <a:schemeClr val="accent1"/>
+    </dgm:fillClrLst>
+    <dgm:linClrLst meth="repeat">
+      <a:schemeClr val="lt1"/>
+    </dgm:linClrLst>
+    <dgm:effectClrLst/>
+    <dgm:txLinClrLst/>
+    <dgm:txFillClrLst/>
+    <dgm:txEffectClrLst/>
+  </dgm:styleLbl>
+  <dgm:styleLbl name="asst3">
+    <dgm:fillClrLst meth="repeat">
+      <a:schemeClr val="accent1"/>
+    </dgm:fillClrLst>
+    <dgm:linClrLst meth="repeat">
+      <a:schemeClr val="lt1"/>
+    </dgm:linClrLst>
+    <dgm:effectClrLst/>
+    <dgm:txLinClrLst/>
+    <dgm:txFillClrLst/>
+    <dgm:txEffectClrLst/>
+  </dgm:styleLbl>
+  <dgm:styleLbl name="asst4">
+    <dgm:fillClrLst meth="repeat">
+      <a:schemeClr val="accent1"/>
+    </dgm:fillClrLst>
+    <dgm:linClrLst meth="repeat">
+      <a:schemeClr val="lt1"/>
+    </dgm:linClrLst>
+    <dgm:effectClrLst/>
+    <dgm:txLinClrLst/>
+    <dgm:txFillClrLst/>
+    <dgm:txEffectClrLst/>
+  </dgm:styleLbl>
+  <dgm:styleLbl name="parChTrans2D1">
+    <dgm:fillClrLst meth="repeat">
+      <a:schemeClr val="accent1">
+        <a:tint val="60000"/>
+      </a:schemeClr>
+    </dgm:fillClrLst>
+    <dgm:linClrLst meth="repeat">
+      <a:schemeClr val="accent1">
+        <a:tint val="60000"/>
+      </a:schemeClr>
+    </dgm:linClrLst>
+    <dgm:effectClrLst/>
+    <dgm:txLinClrLst/>
+    <dgm:txFillClrLst meth="repeat">
+      <a:schemeClr val="lt1"/>
+    </dgm:txFillClrLst>
+    <dgm:txEffectClrLst/>
+  </dgm:styleLbl>
+  <dgm:styleLbl name="parChTrans2D2">
+    <dgm:fillClrLst meth="repeat">
+      <a:schemeClr val="accent1"/>
+    </dgm:fillClrLst>
+    <dgm:linClrLst meth="repeat">
+      <a:schemeClr val="accent1"/>
+    </dgm:linClrLst>
+    <dgm:effectClrLst/>
+    <dgm:txLinClrLst/>
+    <dgm:txFillClrLst meth="repeat">
+      <a:schemeClr val="lt1"/>
+    </dgm:txFillClrLst>
+    <dgm:txEffectClrLst/>
+  </dgm:styleLbl>
+  <dgm:styleLbl name="parChTrans2D3">
+    <dgm:fillClrLst meth="repeat">
+      <a:schemeClr val="accent1"/>
+    </dgm:fillClrLst>
+    <dgm:linClrLst meth="repeat">
+      <a:schemeClr val="accent1"/>
+    </dgm:linClrLst>
+    <dgm:effectClrLst/>
+    <dgm:txLinClrLst/>
+    <dgm:txFillClrLst meth="repeat">
+      <a:schemeClr val="lt1"/>
+    </dgm:txFillClrLst>
+    <dgm:txEffectClrLst/>
+  </dgm:styleLbl>
+  <dgm:styleLbl name="parChTrans2D4">
+    <dgm:fillClrLst meth="repeat">
+      <a:schemeClr val="accent1"/>
+    </dgm:fillClrLst>
+    <dgm:linClrLst meth="repeat">
+      <a:schemeClr val="accent1"/>
+    </dgm:linClrLst>
+    <dgm:effectClrLst/>
+    <dgm:txLinClrLst/>
+    <dgm:txFillClrLst meth="repeat">
+      <a:schemeClr val="lt1"/>
+    </dgm:txFillClrLst>
+    <dgm:txEffectClrLst/>
+  </dgm:styleLbl>
+  <dgm:styleLbl name="parChTrans1D1">
+    <dgm:fillClrLst meth="repeat">
+      <a:schemeClr val="accent1"/>
+    </dgm:fillClrLst>
+    <dgm:linClrLst meth="repeat">
+      <a:schemeClr val="accent1">
+        <a:shade val="60000"/>
+      </a:schemeClr>
+    </dgm:linClrLst>
+    <dgm:effectClrLst/>
+    <dgm:txLinClrLst/>
+    <dgm:txFillClrLst meth="repeat">
+      <a:schemeClr val="tx1"/>
+    </dgm:txFillClrLst>
+    <dgm:txEffectClrLst/>
+  </dgm:styleLbl>
+  <dgm:styleLbl name="parChTrans1D2">
+    <dgm:fillClrLst meth="repeat">
+      <a:schemeClr val="accent1"/>
+    </dgm:fillClrLst>
+    <dgm:linClrLst meth="repeat">
+      <a:schemeClr val="accent1">
+        <a:shade val="60000"/>
+      </a:schemeClr>
+    </dgm:linClrLst>
+    <dgm:effectClrLst/>
+    <dgm:txLinClrLst/>
+    <dgm:txFillClrLst meth="repeat">
+      <a:schemeClr val="tx1"/>
+    </dgm:txFillClrLst>
+    <dgm:txEffectClrLst/>
+  </dgm:styleLbl>
+  <dgm:styleLbl name="parChTrans1D3">
+    <dgm:fillClrLst meth="repeat">
+      <a:schemeClr val="accent1"/>
+    </dgm:fillClrLst>
+    <dgm:linClrLst meth="repeat">
+      <a:schemeClr val="accent1">
+        <a:shade val="80000"/>
+      </a:schemeClr>
+    </dgm:linClrLst>
+    <dgm:effectClrLst/>
+    <dgm:txLinClrLst/>
+    <dgm:txFillClrLst meth="repeat">
+      <a:schemeClr val="tx1"/>
+    </dgm:txFillClrLst>
+    <dgm:txEffectClrLst/>
+  </dgm:styleLbl>
+  <dgm:styleLbl name="parChTrans1D4">
+    <dgm:fillClrLst meth="repeat">
+      <a:schemeClr val="accent1"/>
+    </dgm:fillClrLst>
+    <dgm:linClrLst meth="repeat">
+      <a:schemeClr val="accent1">
+        <a:shade val="80000"/>
+      </a:schemeClr>
+    </dgm:linClrLst>
+    <dgm:effectClrLst/>
+    <dgm:txLinClrLst/>
+    <dgm:txFillClrLst meth="repeat">
+      <a:schemeClr val="tx1"/>
+    </dgm:txFillClrLst>
+    <dgm:txEffectClrLst/>
+  </dgm:styleLbl>
+  <dgm:styleLbl name="fgAcc1">
+    <dgm:fillClrLst meth="repeat">
+      <a:schemeClr val="lt1">
+        <a:alpha val="90000"/>
+      </a:schemeClr>
+    </dgm:fillClrLst>
+    <dgm:linClrLst meth="repeat">
+      <a:schemeClr val="accent1"/>
+    </dgm:linClrLst>
+    <dgm:effectClrLst/>
+    <dgm:txLinClrLst/>
+    <dgm:txFillClrLst meth="repeat">
+      <a:schemeClr val="dk1"/>
+    </dgm:txFillClrLst>
+    <dgm:txEffectClrLst/>
+  </dgm:styleLbl>
+  <dgm:styleLbl name="conFgAcc1">
+    <dgm:fillClrLst meth="repeat">
+      <a:schemeClr val="lt1">
+        <a:alpha val="90000"/>
+      </a:schemeClr>
+    </dgm:fillClrLst>
+    <dgm:linClrLst meth="repeat">
+      <a:schemeClr val="accent1"/>
+    </dgm:linClrLst>
+    <dgm:effectClrLst/>
+    <dgm:txLinClrLst/>
+    <dgm:txFillClrLst meth="repeat">
+      <a:schemeClr val="dk1"/>
+    </dgm:txFillClrLst>
+    <dgm:txEffectClrLst/>
+  </dgm:styleLbl>
+  <dgm:styleLbl name="alignAcc1">
+    <dgm:fillClrLst meth="repeat">
+      <a:schemeClr val="lt1">
+        <a:alpha val="90000"/>
+      </a:schemeClr>
+    </dgm:fillClrLst>
+    <dgm:linClrLst meth="repeat">
+      <a:schemeClr val="accent1"/>
+    </dgm:linClrLst>
+    <dgm:effectClrLst/>
+    <dgm:txLinClrLst/>
+    <dgm:txFillClrLst meth="repeat">
+      <a:schemeClr val="dk1"/>
+    </dgm:txFillClrLst>
+    <dgm:txEffectClrLst/>
+  </dgm:styleLbl>
+  <dgm:styleLbl name="trAlignAcc1">
+    <dgm:fillClrLst meth="repeat">
+      <a:schemeClr val="lt1">
+        <a:alpha val="40000"/>
+      </a:schemeClr>
+    </dgm:fillClrLst>
+    <dgm:linClrLst meth="repeat">
+      <a:schemeClr val="accent1"/>
+    </dgm:linClrLst>
+    <dgm:effectClrLst/>
+    <dgm:txLinClrLst/>
+    <dgm:txFillClrLst meth="repeat">
+      <a:schemeClr val="dk1"/>
+    </dgm:txFillClrLst>
+    <dgm:txEffectClrLst/>
+  </dgm:styleLbl>
+  <dgm:styleLbl name="bgAcc1">
+    <dgm:fillClrLst meth="repeat">
+      <a:schemeClr val="lt1">
+        <a:alpha val="90000"/>
+      </a:schemeClr>
+    </dgm:fillClrLst>
+    <dgm:linClrLst meth="repeat">
+      <a:schemeClr val="accent1"/>
+    </dgm:linClrLst>
+    <dgm:effectClrLst/>
+    <dgm:txLinClrLst/>
+    <dgm:txFillClrLst meth="repeat">
+      <a:schemeClr val="dk1"/>
+    </dgm:txFillClrLst>
+    <dgm:txEffectClrLst/>
+  </dgm:styleLbl>
+  <dgm:styleLbl name="solidFgAcc1">
+    <dgm:fillClrLst meth="repeat">
+      <a:schemeClr val="lt1"/>
+    </dgm:fillClrLst>
+    <dgm:linClrLst meth="repeat">
+      <a:schemeClr val="accent1"/>
+    </dgm:linClrLst>
+    <dgm:effectClrLst/>
+    <dgm:txLinClrLst/>
+    <dgm:txFillClrLst meth="repeat">
+      <a:schemeClr val="dk1"/>
+    </dgm:txFillClrLst>
+    <dgm:txEffectClrLst/>
+  </dgm:styleLbl>
+  <dgm:styleLbl name="solidAlignAcc1">
+    <dgm:fillClrLst meth="repeat">
+      <a:schemeClr val="lt1"/>
+    </dgm:fillClrLst>
+    <dgm:linClrLst meth="repeat">
+      <a:schemeClr val="accent1"/>
+    </dgm:linClrLst>
+    <dgm:effectClrLst/>
+    <dgm:txLinClrLst/>
+    <dgm:txFillClrLst meth="repeat">
+      <a:schemeClr val="dk1"/>
+    </dgm:txFillClrLst>
+    <dgm:txEffectClrLst/>
+  </dgm:styleLbl>
+  <dgm:styleLbl name="solidBgAcc1">
+    <dgm:fillClrLst meth="repeat">
+      <a:schemeClr val="lt1"/>
+    </dgm:fillClrLst>
+    <dgm:linClrLst meth="repeat">
+      <a:schemeClr val="accent1"/>
+    </dgm:linClrLst>
+    <dgm:effectClrLst/>
+    <dgm:txLinClrLst/>
+    <dgm:txFillClrLst meth="repeat">
+      <a:schemeClr val="dk1"/>
+    </dgm:txFillClrLst>
+    <dgm:txEffectClrLst/>
+  </dgm:styleLbl>
+  <dgm:styleLbl name="fgAccFollowNode1">
+    <dgm:fillClrLst meth="repeat">
+      <a:schemeClr val="accent1">
+        <a:alpha val="90000"/>
+        <a:tint val="40000"/>
+      </a:schemeClr>
+    </dgm:fillClrLst>
+    <dgm:linClrLst meth="repeat">
+      <a:schemeClr val="accent1">
+        <a:alpha val="90000"/>
+        <a:tint val="40000"/>
+      </a:schemeClr>
+    </dgm:linClrLst>
+    <dgm:effectClrLst/>
+    <dgm:txLinClrLst/>
+    <dgm:txFillClrLst meth="repeat">
+      <a:schemeClr val="dk1"/>
+    </dgm:txFillClrLst>
+    <dgm:txEffectClrLst/>
+  </dgm:styleLbl>
+  <dgm:styleLbl name="alignAccFollowNode1">
+    <dgm:fillClrLst meth="repeat">
+      <a:schemeClr val="accent1">
+        <a:alpha val="90000"/>
+        <a:tint val="40000"/>
+      </a:schemeClr>
+    </dgm:fillClrLst>
+    <dgm:linClrLst meth="repeat">
+      <a:schemeClr val="accent1">
+        <a:alpha val="90000"/>
+        <a:tint val="40000"/>
+      </a:schemeClr>
+    </dgm:linClrLst>
+    <dgm:effectClrLst/>
+    <dgm:txLinClrLst/>
+    <dgm:txFillClrLst meth="repeat">
+      <a:schemeClr val="dk1"/>
+    </dgm:txFillClrLst>
+    <dgm:txEffectClrLst/>
+  </dgm:styleLbl>
+  <dgm:styleLbl name="bgAccFollowNode1">
+    <dgm:fillClrLst meth="repeat">
+      <a:schemeClr val="accent1">
+        <a:alpha val="90000"/>
+        <a:tint val="40000"/>
+      </a:schemeClr>
+    </dgm:fillClrLst>
+    <dgm:linClrLst meth="repeat">
+      <a:schemeClr val="accent1">
+        <a:alpha val="90000"/>
+        <a:tint val="40000"/>
+      </a:schemeClr>
+    </dgm:linClrLst>
+    <dgm:effectClrLst/>
+    <dgm:txLinClrLst/>
+    <dgm:txFillClrLst meth="repeat">
+      <a:schemeClr val="dk1"/>
+    </dgm:txFillClrLst>
+    <dgm:txEffectClrLst/>
+  </dgm:styleLbl>
+  <dgm:styleLbl name="fgAcc0">
+    <dgm:fillClrLst meth="repeat">
+      <a:schemeClr val="lt1">
+        <a:alpha val="90000"/>
+      </a:schemeClr>
+    </dgm:fillClrLst>
+    <dgm:linClrLst meth="repeat">
+      <a:schemeClr val="accent1"/>
+    </dgm:linClrLst>
+    <dgm:effectClrLst/>
+    <dgm:txLinClrLst/>
+    <dgm:txFillClrLst meth="repeat">
+      <a:schemeClr val="dk1"/>
+    </dgm:txFillClrLst>
+    <dgm:txEffectClrLst/>
+  </dgm:styleLbl>
+  <dgm:styleLbl name="fgAcc2">
+    <dgm:fillClrLst meth="repeat">
+      <a:schemeClr val="lt1">
+        <a:alpha val="90000"/>
+      </a:schemeClr>
+    </dgm:fillClrLst>
+    <dgm:linClrLst meth="repeat">
+      <a:schemeClr val="accent1"/>
+    </dgm:linClrLst>
+    <dgm:effectClrLst/>
+    <dgm:txLinClrLst/>
+    <dgm:txFillClrLst meth="repeat">
+      <a:schemeClr val="dk1"/>
+    </dgm:txFillClrLst>
+    <dgm:txEffectClrLst/>
+  </dgm:styleLbl>
+  <dgm:styleLbl name="fgAcc3">
+    <dgm:fillClrLst meth="repeat">
+      <a:schemeClr val="lt1">
+        <a:alpha val="90000"/>
+      </a:schemeClr>
+    </dgm:fillClrLst>
+    <dgm:linClrLst meth="repeat">
+      <a:schemeClr val="accent1"/>
+    </dgm:linClrLst>
+    <dgm:effectClrLst/>
+    <dgm:txLinClrLst/>
+    <dgm:txFillClrLst meth="repeat">
+      <a:schemeClr val="dk1"/>
+    </dgm:txFillClrLst>
+    <dgm:txEffectClrLst/>
+  </dgm:styleLbl>
+  <dgm:styleLbl name="fgAcc4">
+    <dgm:fillClrLst meth="repeat">
+      <a:schemeClr val="lt1">
+        <a:alpha val="90000"/>
+      </a:schemeClr>
+    </dgm:fillClrLst>
+    <dgm:linClrLst meth="repeat">
+      <a:schemeClr val="accent1"/>
+    </dgm:linClrLst>
+    <dgm:effectClrLst/>
+    <dgm:txLinClrLst/>
+    <dgm:txFillClrLst meth="repeat">
+      <a:schemeClr val="dk1"/>
+    </dgm:txFillClrLst>
+    <dgm:txEffectClrLst/>
+  </dgm:styleLbl>
+  <dgm:styleLbl name="bgShp">
+    <dgm:fillClrLst meth="repeat">
+      <a:schemeClr val="accent1">
+        <a:tint val="40000"/>
+      </a:schemeClr>
+    </dgm:fillClrLst>
+    <dgm:linClrLst meth="repeat">
+      <a:schemeClr val="accent1"/>
+    </dgm:linClrLst>
+    <dgm:effectClrLst/>
+    <dgm:txLinClrLst/>
+    <dgm:txFillClrLst meth="repeat">
+      <a:schemeClr val="dk1"/>
+    </dgm:txFillClrLst>
+    <dgm:txEffectClrLst/>
+  </dgm:styleLbl>
+  <dgm:styleLbl name="dkBgShp">
+    <dgm:fillClrLst meth="repeat">
+      <a:schemeClr val="accent1">
+        <a:shade val="80000"/>
+      </a:schemeClr>
+    </dgm:fillClrLst>
+    <dgm:linClrLst meth="repeat">
+      <a:schemeClr val="accent1"/>
+    </dgm:linClrLst>
+    <dgm:effectClrLst/>
+    <dgm:txLinClrLst/>
+    <dgm:txFillClrLst meth="repeat">
+      <a:schemeClr val="lt1"/>
+    </dgm:txFillClrLst>
+    <dgm:txEffectClrLst/>
+  </dgm:styleLbl>
+  <dgm:styleLbl name="trBgShp">
+    <dgm:fillClrLst meth="repeat">
+      <a:schemeClr val="accent1">
+        <a:tint val="50000"/>
+        <a:alpha val="40000"/>
+      </a:schemeClr>
+    </dgm:fillClrLst>
+    <dgm:linClrLst meth="repeat">
+      <a:schemeClr val="accent1"/>
+    </dgm:linClrLst>
+    <dgm:effectClrLst/>
+    <dgm:txLinClrLst/>
+    <dgm:txFillClrLst meth="repeat">
+      <a:schemeClr val="lt1"/>
+    </dgm:txFillClrLst>
+    <dgm:txEffectClrLst/>
+  </dgm:styleLbl>
+  <dgm:styleLbl name="fgShp">
+    <dgm:fillClrLst meth="repeat">
+      <a:schemeClr val="accent1">
+        <a:tint val="60000"/>
+      </a:schemeClr>
+    </dgm:fillClrLst>
+    <dgm:linClrLst meth="repeat">
+      <a:schemeClr val="lt1"/>
+    </dgm:linClrLst>
+    <dgm:effectClrLst/>
+    <dgm:txLinClrLst/>
+    <dgm:txFillClrLst meth="repeat">
+      <a:schemeClr val="dk1"/>
+    </dgm:txFillClrLst>
+    <dgm:txEffectClrLst/>
+  </dgm:styleLbl>
+  <dgm:styleLbl name="revTx">
+    <dgm:fillClrLst meth="repeat">
+      <a:schemeClr val="lt1">
+        <a:alpha val="0"/>
+      </a:schemeClr>
+    </dgm:fillClrLst>
+    <dgm:linClrLst meth="repeat">
+      <a:schemeClr val="dk1">
+        <a:alpha val="0"/>
+      </a:schemeClr>
+    </dgm:linClrLst>
+    <dgm:effectClrLst/>
+    <dgm:txLinClrLst/>
+    <dgm:txFillClrLst meth="repeat">
+      <a:schemeClr val="tx1"/>
+    </dgm:txFillClrLst>
+    <dgm:txEffectClrLst/>
+  </dgm:styleLbl>
+</dgm:colorsDef>
+</file>
+
 <file path=ppt/diagrams/data1.xml><?xml version="1.0" encoding="utf-8"?>
 <dgm:dataModel xmlns:dgm="http://schemas.openxmlformats.org/drawingml/2006/diagram" xmlns:a="http://schemas.openxmlformats.org/drawingml/2006/main">
   <dgm:ptLst>
@@ -1632,7 +2380,7 @@
       </dgm:t>
     </dgm:pt>
     <dgm:pt modelId="{6125ED4E-7984-4141-A28B-13E7DA75C198}">
-      <dgm:prSet/>
+      <dgm:prSet custT="1"/>
       <dgm:spPr>
         <a:noFill/>
         <a:ln>
@@ -1643,8 +2391,27 @@
         <a:bodyPr/>
         <a:lstStyle/>
         <a:p>
+          <a:pPr marL="0" lvl="0" indent="0" algn="ctr" defTabSz="800100">
+            <a:lnSpc>
+              <a:spcPct val="90000"/>
+            </a:lnSpc>
+            <a:spcBef>
+              <a:spcPct val="0"/>
+            </a:spcBef>
+            <a:spcAft>
+              <a:spcPct val="35000"/>
+            </a:spcAft>
+            <a:buNone/>
+          </a:pPr>
           <a:r>
-            <a:rPr lang="en-US" b="1" dirty="0"/>
+            <a:rPr lang="en-US" sz="1800" b="1" kern="1200" dirty="0">
+              <a:solidFill>
+                <a:srgbClr val="002060"/>
+              </a:solidFill>
+              <a:latin typeface="Calibri" panose="020F0502020204030204"/>
+              <a:ea typeface="+mn-ea"/>
+              <a:cs typeface="+mn-cs"/>
+            </a:rPr>
             <a:t>Anyone can solve a Rubik’s Cube</a:t>
           </a:r>
         </a:p>
@@ -1685,7 +2452,11 @@
         <a:lstStyle/>
         <a:p>
           <a:r>
-            <a:rPr lang="en-US" b="1" dirty="0"/>
+            <a:rPr lang="en-US" b="1" dirty="0">
+              <a:solidFill>
+                <a:srgbClr val="002060"/>
+              </a:solidFill>
+            </a:rPr>
             <a:t>Easy to understand move sets</a:t>
           </a:r>
         </a:p>
@@ -1726,7 +2497,11 @@
         <a:lstStyle/>
         <a:p>
           <a:r>
-            <a:rPr lang="en-US" b="1" dirty="0"/>
+            <a:rPr lang="en-US" b="1" dirty="0">
+              <a:solidFill>
+                <a:srgbClr val="002060"/>
+              </a:solidFill>
+            </a:rPr>
             <a:t>Solve any type of scrambled cubes </a:t>
           </a:r>
         </a:p>
@@ -1767,7 +2542,11 @@
         <a:lstStyle/>
         <a:p>
           <a:r>
-            <a:rPr lang="en-US" b="1" dirty="0"/>
+            <a:rPr lang="en-US" b="1" dirty="0">
+              <a:solidFill>
+                <a:srgbClr val="002060"/>
+              </a:solidFill>
+            </a:rPr>
             <a:t>Learn algorithms related to Rubik’s Cube</a:t>
           </a:r>
         </a:p>
@@ -2045,7 +2824,7 @@
                 </a:outerShdw>
               </a:effectLst>
             </a:rPr>
-            <a:t>Smartly use cube operations to effect</a:t>
+            <a:t>Smartly use cube operations </a:t>
           </a:r>
         </a:p>
       </dgm:t>
@@ -2342,6 +3121,275 @@
 </dgm:dataModel>
 </file>
 
+<file path=ppt/diagrams/data3.xml><?xml version="1.0" encoding="utf-8"?>
+<dgm:dataModel xmlns:dgm="http://schemas.openxmlformats.org/drawingml/2006/diagram" xmlns:a="http://schemas.openxmlformats.org/drawingml/2006/main">
+  <dgm:ptLst>
+    <dgm:pt modelId="{8AD857B2-05C0-4623-813A-C6DA64090BFE}" type="doc">
+      <dgm:prSet loTypeId="urn:microsoft.com/office/officeart/2005/8/layout/hierarchy3" loCatId="list" qsTypeId="urn:microsoft.com/office/officeart/2005/8/quickstyle/simple1" qsCatId="simple" csTypeId="urn:microsoft.com/office/officeart/2005/8/colors/accent1_2" csCatId="accent1" phldr="1"/>
+      <dgm:spPr/>
+      <dgm:t>
+        <a:bodyPr/>
+        <a:lstStyle/>
+        <a:p>
+          <a:endParaRPr lang="en-US"/>
+        </a:p>
+      </dgm:t>
+    </dgm:pt>
+    <dgm:pt modelId="{CE1B9725-C625-4B5B-9B19-FB0C525974FC}">
+      <dgm:prSet phldrT="[Text]" custT="1"/>
+      <dgm:spPr>
+        <a:solidFill>
+          <a:schemeClr val="accent1"/>
+        </a:solidFill>
+      </dgm:spPr>
+      <dgm:t>
+        <a:bodyPr/>
+        <a:lstStyle/>
+        <a:p>
+          <a:r>
+            <a:rPr lang="en-US" sz="2400" dirty="0"/>
+            <a:t>Initialize Cube operations</a:t>
+          </a:r>
+        </a:p>
+      </dgm:t>
+    </dgm:pt>
+    <dgm:pt modelId="{F230D6AC-C113-4A18-8C67-E326DC5AD5EC}" type="parTrans" cxnId="{D9A3480B-13A8-46C4-A883-0D97E53B49AE}">
+      <dgm:prSet/>
+      <dgm:spPr/>
+      <dgm:t>
+        <a:bodyPr/>
+        <a:lstStyle/>
+        <a:p>
+          <a:endParaRPr lang="en-US"/>
+        </a:p>
+      </dgm:t>
+    </dgm:pt>
+    <dgm:pt modelId="{0ADB36C4-C6F3-403A-9335-13614028BF62}" type="sibTrans" cxnId="{D9A3480B-13A8-46C4-A883-0D97E53B49AE}">
+      <dgm:prSet/>
+      <dgm:spPr/>
+      <dgm:t>
+        <a:bodyPr/>
+        <a:lstStyle/>
+        <a:p>
+          <a:endParaRPr lang="en-US"/>
+        </a:p>
+      </dgm:t>
+    </dgm:pt>
+    <dgm:pt modelId="{62B08366-F1E6-46E3-B0E5-A25A1C4DBF5E}">
+      <dgm:prSet phldrT="[Text]"/>
+      <dgm:spPr/>
+      <dgm:t>
+        <a:bodyPr/>
+        <a:lstStyle/>
+        <a:p>
+          <a:r>
+            <a:rPr lang="en-US" dirty="0"/>
+            <a:t>Get a white cross on white side.</a:t>
+          </a:r>
+        </a:p>
+      </dgm:t>
+    </dgm:pt>
+    <dgm:pt modelId="{79F0E339-725D-4142-A1B5-47EBA1EB7A37}" type="parTrans" cxnId="{9E653988-AE1A-4AF6-9914-52B7E473FD2E}">
+      <dgm:prSet/>
+      <dgm:spPr/>
+      <dgm:t>
+        <a:bodyPr/>
+        <a:lstStyle/>
+        <a:p>
+          <a:endParaRPr lang="en-US"/>
+        </a:p>
+      </dgm:t>
+    </dgm:pt>
+    <dgm:pt modelId="{D0C21B7C-0848-4C12-A8D8-E90D5383ADF0}" type="sibTrans" cxnId="{9E653988-AE1A-4AF6-9914-52B7E473FD2E}">
+      <dgm:prSet/>
+      <dgm:spPr/>
+      <dgm:t>
+        <a:bodyPr/>
+        <a:lstStyle/>
+        <a:p>
+          <a:endParaRPr lang="en-US"/>
+        </a:p>
+      </dgm:t>
+    </dgm:pt>
+    <dgm:pt modelId="{92009433-2A15-4505-8DB2-B331016E318B}">
+      <dgm:prSet phldrT="[Text]"/>
+      <dgm:spPr/>
+      <dgm:t>
+        <a:bodyPr/>
+        <a:lstStyle/>
+        <a:p>
+          <a:r>
+            <a:rPr lang="en-US" dirty="0"/>
+            <a:t>Follow algorithm to solve F2L(First Two Layer).</a:t>
+          </a:r>
+        </a:p>
+      </dgm:t>
+    </dgm:pt>
+    <dgm:pt modelId="{4991B612-01FE-4B1A-9967-B09C99657C2B}" type="parTrans" cxnId="{07E23689-4CFD-43D3-9A5F-9EA60A2E4C36}">
+      <dgm:prSet/>
+      <dgm:spPr/>
+      <dgm:t>
+        <a:bodyPr/>
+        <a:lstStyle/>
+        <a:p>
+          <a:endParaRPr lang="en-US"/>
+        </a:p>
+      </dgm:t>
+    </dgm:pt>
+    <dgm:pt modelId="{9A1E8C93-FDAA-4C97-BCF4-9B20E47232CA}" type="sibTrans" cxnId="{07E23689-4CFD-43D3-9A5F-9EA60A2E4C36}">
+      <dgm:prSet/>
+      <dgm:spPr/>
+      <dgm:t>
+        <a:bodyPr/>
+        <a:lstStyle/>
+        <a:p>
+          <a:endParaRPr lang="en-US"/>
+        </a:p>
+      </dgm:t>
+    </dgm:pt>
+    <dgm:pt modelId="{D504977B-0F25-4342-9AC1-3014D1A7DCD4}">
+      <dgm:prSet phldrT="[Text]"/>
+      <dgm:spPr/>
+      <dgm:t>
+        <a:bodyPr/>
+        <a:lstStyle/>
+        <a:p>
+          <a:r>
+            <a:rPr lang="en-US" dirty="0"/>
+            <a:t>Reorganize the corner pieces to solve the last layer.</a:t>
+          </a:r>
+        </a:p>
+      </dgm:t>
+    </dgm:pt>
+    <dgm:pt modelId="{9D9D7ED7-BAD3-4CAB-A50A-8C46C4E6D19D}" type="parTrans" cxnId="{840CDB45-93FA-44DE-9F23-95690CFDD8F3}">
+      <dgm:prSet/>
+      <dgm:spPr/>
+      <dgm:t>
+        <a:bodyPr/>
+        <a:lstStyle/>
+        <a:p>
+          <a:endParaRPr lang="en-US"/>
+        </a:p>
+      </dgm:t>
+    </dgm:pt>
+    <dgm:pt modelId="{76866FA5-9556-4075-9E5B-DC0906CD6829}" type="sibTrans" cxnId="{840CDB45-93FA-44DE-9F23-95690CFDD8F3}">
+      <dgm:prSet/>
+      <dgm:spPr/>
+      <dgm:t>
+        <a:bodyPr/>
+        <a:lstStyle/>
+        <a:p>
+          <a:endParaRPr lang="en-US"/>
+        </a:p>
+      </dgm:t>
+    </dgm:pt>
+    <dgm:pt modelId="{8A8C7753-6A50-4B26-BCE0-E9AA9AA6EB7B}" type="pres">
+      <dgm:prSet presAssocID="{8AD857B2-05C0-4623-813A-C6DA64090BFE}" presName="diagram" presStyleCnt="0">
+        <dgm:presLayoutVars>
+          <dgm:chPref val="1"/>
+          <dgm:dir/>
+          <dgm:animOne val="branch"/>
+          <dgm:animLvl val="lvl"/>
+          <dgm:resizeHandles/>
+        </dgm:presLayoutVars>
+      </dgm:prSet>
+      <dgm:spPr/>
+    </dgm:pt>
+    <dgm:pt modelId="{D8ECB628-800B-4413-AD34-193BA71A0C6E}" type="pres">
+      <dgm:prSet presAssocID="{CE1B9725-C625-4B5B-9B19-FB0C525974FC}" presName="root" presStyleCnt="0"/>
+      <dgm:spPr/>
+    </dgm:pt>
+    <dgm:pt modelId="{20FFD101-D7B8-46E4-AE79-85F9CA193B2C}" type="pres">
+      <dgm:prSet presAssocID="{CE1B9725-C625-4B5B-9B19-FB0C525974FC}" presName="rootComposite" presStyleCnt="0"/>
+      <dgm:spPr/>
+    </dgm:pt>
+    <dgm:pt modelId="{A523BAAE-7C20-42ED-BE87-F75DABA303B5}" type="pres">
+      <dgm:prSet presAssocID="{CE1B9725-C625-4B5B-9B19-FB0C525974FC}" presName="rootText" presStyleLbl="node1" presStyleIdx="0" presStyleCnt="1"/>
+      <dgm:spPr/>
+    </dgm:pt>
+    <dgm:pt modelId="{5ABC7AB6-BE84-4624-87C8-0BA0BF6950B5}" type="pres">
+      <dgm:prSet presAssocID="{CE1B9725-C625-4B5B-9B19-FB0C525974FC}" presName="rootConnector" presStyleLbl="node1" presStyleIdx="0" presStyleCnt="1"/>
+      <dgm:spPr/>
+    </dgm:pt>
+    <dgm:pt modelId="{1A43A1A2-41C0-44B2-96FA-902B2324F1C0}" type="pres">
+      <dgm:prSet presAssocID="{CE1B9725-C625-4B5B-9B19-FB0C525974FC}" presName="childShape" presStyleCnt="0"/>
+      <dgm:spPr/>
+    </dgm:pt>
+    <dgm:pt modelId="{927A2A32-4587-4C21-8DD1-1A980E92E703}" type="pres">
+      <dgm:prSet presAssocID="{79F0E339-725D-4142-A1B5-47EBA1EB7A37}" presName="Name13" presStyleLbl="parChTrans1D2" presStyleIdx="0" presStyleCnt="3"/>
+      <dgm:spPr/>
+    </dgm:pt>
+    <dgm:pt modelId="{988B01F5-A2DE-473D-9637-2CDDE123FB8D}" type="pres">
+      <dgm:prSet presAssocID="{62B08366-F1E6-46E3-B0E5-A25A1C4DBF5E}" presName="childText" presStyleLbl="bgAcc1" presStyleIdx="0" presStyleCnt="3">
+        <dgm:presLayoutVars>
+          <dgm:bulletEnabled val="1"/>
+        </dgm:presLayoutVars>
+      </dgm:prSet>
+      <dgm:spPr/>
+    </dgm:pt>
+    <dgm:pt modelId="{23D0C57D-7A23-4ACB-A4FB-14C446DDE516}" type="pres">
+      <dgm:prSet presAssocID="{4991B612-01FE-4B1A-9967-B09C99657C2B}" presName="Name13" presStyleLbl="parChTrans1D2" presStyleIdx="1" presStyleCnt="3"/>
+      <dgm:spPr/>
+    </dgm:pt>
+    <dgm:pt modelId="{DE56433E-52C9-4EEF-B4DF-9F2BA8F6E2A3}" type="pres">
+      <dgm:prSet presAssocID="{92009433-2A15-4505-8DB2-B331016E318B}" presName="childText" presStyleLbl="bgAcc1" presStyleIdx="1" presStyleCnt="3">
+        <dgm:presLayoutVars>
+          <dgm:bulletEnabled val="1"/>
+        </dgm:presLayoutVars>
+      </dgm:prSet>
+      <dgm:spPr/>
+    </dgm:pt>
+    <dgm:pt modelId="{FC556AA5-E59B-44FB-A177-E579A7F22BBC}" type="pres">
+      <dgm:prSet presAssocID="{9D9D7ED7-BAD3-4CAB-A50A-8C46C4E6D19D}" presName="Name13" presStyleLbl="parChTrans1D2" presStyleIdx="2" presStyleCnt="3"/>
+      <dgm:spPr/>
+    </dgm:pt>
+    <dgm:pt modelId="{70D73792-D58F-4265-95D8-5BAAF7C254B4}" type="pres">
+      <dgm:prSet presAssocID="{D504977B-0F25-4342-9AC1-3014D1A7DCD4}" presName="childText" presStyleLbl="bgAcc1" presStyleIdx="2" presStyleCnt="3">
+        <dgm:presLayoutVars>
+          <dgm:bulletEnabled val="1"/>
+        </dgm:presLayoutVars>
+      </dgm:prSet>
+      <dgm:spPr/>
+    </dgm:pt>
+  </dgm:ptLst>
+  <dgm:cxnLst>
+    <dgm:cxn modelId="{B0336A09-E5DB-4CDD-9267-CF073D455CA7}" type="presOf" srcId="{9D9D7ED7-BAD3-4CAB-A50A-8C46C4E6D19D}" destId="{FC556AA5-E59B-44FB-A177-E579A7F22BBC}" srcOrd="0" destOrd="0" presId="urn:microsoft.com/office/officeart/2005/8/layout/hierarchy3"/>
+    <dgm:cxn modelId="{D9A3480B-13A8-46C4-A883-0D97E53B49AE}" srcId="{8AD857B2-05C0-4623-813A-C6DA64090BFE}" destId="{CE1B9725-C625-4B5B-9B19-FB0C525974FC}" srcOrd="0" destOrd="0" parTransId="{F230D6AC-C113-4A18-8C67-E326DC5AD5EC}" sibTransId="{0ADB36C4-C6F3-403A-9335-13614028BF62}"/>
+    <dgm:cxn modelId="{840CDB45-93FA-44DE-9F23-95690CFDD8F3}" srcId="{CE1B9725-C625-4B5B-9B19-FB0C525974FC}" destId="{D504977B-0F25-4342-9AC1-3014D1A7DCD4}" srcOrd="2" destOrd="0" parTransId="{9D9D7ED7-BAD3-4CAB-A50A-8C46C4E6D19D}" sibTransId="{76866FA5-9556-4075-9E5B-DC0906CD6829}"/>
+    <dgm:cxn modelId="{1C510267-0BFD-438F-9588-7394886A90F5}" type="presOf" srcId="{4991B612-01FE-4B1A-9967-B09C99657C2B}" destId="{23D0C57D-7A23-4ACB-A4FB-14C446DDE516}" srcOrd="0" destOrd="0" presId="urn:microsoft.com/office/officeart/2005/8/layout/hierarchy3"/>
+    <dgm:cxn modelId="{2ACBB66D-DEEB-4165-B1A0-EC2875905EAA}" type="presOf" srcId="{62B08366-F1E6-46E3-B0E5-A25A1C4DBF5E}" destId="{988B01F5-A2DE-473D-9637-2CDDE123FB8D}" srcOrd="0" destOrd="0" presId="urn:microsoft.com/office/officeart/2005/8/layout/hierarchy3"/>
+    <dgm:cxn modelId="{E5BBF251-700E-442C-BD7D-AAD86E67565B}" type="presOf" srcId="{8AD857B2-05C0-4623-813A-C6DA64090BFE}" destId="{8A8C7753-6A50-4B26-BCE0-E9AA9AA6EB7B}" srcOrd="0" destOrd="0" presId="urn:microsoft.com/office/officeart/2005/8/layout/hierarchy3"/>
+    <dgm:cxn modelId="{E3D2BF53-7968-4BA5-8718-2CB81FAAD281}" type="presOf" srcId="{92009433-2A15-4505-8DB2-B331016E318B}" destId="{DE56433E-52C9-4EEF-B4DF-9F2BA8F6E2A3}" srcOrd="0" destOrd="0" presId="urn:microsoft.com/office/officeart/2005/8/layout/hierarchy3"/>
+    <dgm:cxn modelId="{9E653988-AE1A-4AF6-9914-52B7E473FD2E}" srcId="{CE1B9725-C625-4B5B-9B19-FB0C525974FC}" destId="{62B08366-F1E6-46E3-B0E5-A25A1C4DBF5E}" srcOrd="0" destOrd="0" parTransId="{79F0E339-725D-4142-A1B5-47EBA1EB7A37}" sibTransId="{D0C21B7C-0848-4C12-A8D8-E90D5383ADF0}"/>
+    <dgm:cxn modelId="{07E23689-4CFD-43D3-9A5F-9EA60A2E4C36}" srcId="{CE1B9725-C625-4B5B-9B19-FB0C525974FC}" destId="{92009433-2A15-4505-8DB2-B331016E318B}" srcOrd="1" destOrd="0" parTransId="{4991B612-01FE-4B1A-9967-B09C99657C2B}" sibTransId="{9A1E8C93-FDAA-4C97-BCF4-9B20E47232CA}"/>
+    <dgm:cxn modelId="{2CEFED9F-A4D3-4F56-8A21-2E0C8DC74EC2}" type="presOf" srcId="{D504977B-0F25-4342-9AC1-3014D1A7DCD4}" destId="{70D73792-D58F-4265-95D8-5BAAF7C254B4}" srcOrd="0" destOrd="0" presId="urn:microsoft.com/office/officeart/2005/8/layout/hierarchy3"/>
+    <dgm:cxn modelId="{717D89AA-9690-4506-8C46-67D0210D9E39}" type="presOf" srcId="{79F0E339-725D-4142-A1B5-47EBA1EB7A37}" destId="{927A2A32-4587-4C21-8DD1-1A980E92E703}" srcOrd="0" destOrd="0" presId="urn:microsoft.com/office/officeart/2005/8/layout/hierarchy3"/>
+    <dgm:cxn modelId="{FB1EAFBC-78BB-4E76-AA94-1AA5A9F58082}" type="presOf" srcId="{CE1B9725-C625-4B5B-9B19-FB0C525974FC}" destId="{5ABC7AB6-BE84-4624-87C8-0BA0BF6950B5}" srcOrd="1" destOrd="0" presId="urn:microsoft.com/office/officeart/2005/8/layout/hierarchy3"/>
+    <dgm:cxn modelId="{D7F192EE-E202-4B21-9A85-9E580B3E8994}" type="presOf" srcId="{CE1B9725-C625-4B5B-9B19-FB0C525974FC}" destId="{A523BAAE-7C20-42ED-BE87-F75DABA303B5}" srcOrd="0" destOrd="0" presId="urn:microsoft.com/office/officeart/2005/8/layout/hierarchy3"/>
+    <dgm:cxn modelId="{BC938021-5DF1-4D09-8DF7-681D0C2F2366}" type="presParOf" srcId="{8A8C7753-6A50-4B26-BCE0-E9AA9AA6EB7B}" destId="{D8ECB628-800B-4413-AD34-193BA71A0C6E}" srcOrd="0" destOrd="0" presId="urn:microsoft.com/office/officeart/2005/8/layout/hierarchy3"/>
+    <dgm:cxn modelId="{9F4544CF-CE21-4587-B6B6-055CE44DAE35}" type="presParOf" srcId="{D8ECB628-800B-4413-AD34-193BA71A0C6E}" destId="{20FFD101-D7B8-46E4-AE79-85F9CA193B2C}" srcOrd="0" destOrd="0" presId="urn:microsoft.com/office/officeart/2005/8/layout/hierarchy3"/>
+    <dgm:cxn modelId="{CCF5B262-E11E-4ED0-93E1-72CA7727393D}" type="presParOf" srcId="{20FFD101-D7B8-46E4-AE79-85F9CA193B2C}" destId="{A523BAAE-7C20-42ED-BE87-F75DABA303B5}" srcOrd="0" destOrd="0" presId="urn:microsoft.com/office/officeart/2005/8/layout/hierarchy3"/>
+    <dgm:cxn modelId="{16ABDF3F-B427-472F-A124-567F0684BB0A}" type="presParOf" srcId="{20FFD101-D7B8-46E4-AE79-85F9CA193B2C}" destId="{5ABC7AB6-BE84-4624-87C8-0BA0BF6950B5}" srcOrd="1" destOrd="0" presId="urn:microsoft.com/office/officeart/2005/8/layout/hierarchy3"/>
+    <dgm:cxn modelId="{963D7CFB-54DA-4CFE-84A0-63245560A77A}" type="presParOf" srcId="{D8ECB628-800B-4413-AD34-193BA71A0C6E}" destId="{1A43A1A2-41C0-44B2-96FA-902B2324F1C0}" srcOrd="1" destOrd="0" presId="urn:microsoft.com/office/officeart/2005/8/layout/hierarchy3"/>
+    <dgm:cxn modelId="{BD7CF858-0615-486A-A85C-42F211C8135E}" type="presParOf" srcId="{1A43A1A2-41C0-44B2-96FA-902B2324F1C0}" destId="{927A2A32-4587-4C21-8DD1-1A980E92E703}" srcOrd="0" destOrd="0" presId="urn:microsoft.com/office/officeart/2005/8/layout/hierarchy3"/>
+    <dgm:cxn modelId="{B825CAD0-6D38-4DEE-B6B6-98E186DB3C54}" type="presParOf" srcId="{1A43A1A2-41C0-44B2-96FA-902B2324F1C0}" destId="{988B01F5-A2DE-473D-9637-2CDDE123FB8D}" srcOrd="1" destOrd="0" presId="urn:microsoft.com/office/officeart/2005/8/layout/hierarchy3"/>
+    <dgm:cxn modelId="{B977166A-B58A-4CA5-B3D1-980041B22601}" type="presParOf" srcId="{1A43A1A2-41C0-44B2-96FA-902B2324F1C0}" destId="{23D0C57D-7A23-4ACB-A4FB-14C446DDE516}" srcOrd="2" destOrd="0" presId="urn:microsoft.com/office/officeart/2005/8/layout/hierarchy3"/>
+    <dgm:cxn modelId="{07E2680C-C3BF-410C-B399-76833D1861D5}" type="presParOf" srcId="{1A43A1A2-41C0-44B2-96FA-902B2324F1C0}" destId="{DE56433E-52C9-4EEF-B4DF-9F2BA8F6E2A3}" srcOrd="3" destOrd="0" presId="urn:microsoft.com/office/officeart/2005/8/layout/hierarchy3"/>
+    <dgm:cxn modelId="{3865EF0F-31B0-465D-9E37-D16ED01B8455}" type="presParOf" srcId="{1A43A1A2-41C0-44B2-96FA-902B2324F1C0}" destId="{FC556AA5-E59B-44FB-A177-E579A7F22BBC}" srcOrd="4" destOrd="0" presId="urn:microsoft.com/office/officeart/2005/8/layout/hierarchy3"/>
+    <dgm:cxn modelId="{F9685C68-0B24-4A03-9E9F-CC44F3EADC69}" type="presParOf" srcId="{1A43A1A2-41C0-44B2-96FA-902B2324F1C0}" destId="{70D73792-D58F-4265-95D8-5BAAF7C254B4}" srcOrd="5" destOrd="0" presId="urn:microsoft.com/office/officeart/2005/8/layout/hierarchy3"/>
+  </dgm:cxnLst>
+  <dgm:bg>
+    <a:noFill/>
+  </dgm:bg>
+  <dgm:whole/>
+  <dgm:extLst>
+    <a:ext uri="http://schemas.microsoft.com/office/drawing/2008/diagram">
+      <dsp:dataModelExt xmlns:dsp="http://schemas.microsoft.com/office/drawing/2008/diagram" relId="rId6" minVer="http://schemas.openxmlformats.org/drawingml/2006/diagram"/>
+    </a:ext>
+  </dgm:extLst>
+</dgm:dataModel>
+</file>
+
 <file path=ppt/diagrams/drawing1.xml><?xml version="1.0" encoding="utf-8"?>
 <dsp:drawing xmlns:dgm="http://schemas.openxmlformats.org/drawingml/2006/diagram" xmlns:dsp="http://schemas.microsoft.com/office/drawing/2008/diagram" xmlns:a="http://schemas.openxmlformats.org/drawingml/2006/main">
   <dsp:spTree>
@@ -2404,7 +3452,14 @@
             <a:buNone/>
           </a:pPr>
           <a:r>
-            <a:rPr lang="en-US" sz="1800" b="1" kern="1200" dirty="0"/>
+            <a:rPr lang="en-US" sz="1800" b="1" kern="1200" dirty="0">
+              <a:solidFill>
+                <a:srgbClr val="002060"/>
+              </a:solidFill>
+              <a:latin typeface="Calibri" panose="020F0502020204030204"/>
+              <a:ea typeface="+mn-ea"/>
+              <a:cs typeface="+mn-cs"/>
+            </a:rPr>
             <a:t>Anyone can solve a Rubik’s Cube</a:t>
           </a:r>
         </a:p>
@@ -2468,7 +3523,11 @@
             <a:buNone/>
           </a:pPr>
           <a:r>
-            <a:rPr lang="en-US" sz="1800" b="1" kern="1200" dirty="0"/>
+            <a:rPr lang="en-US" sz="1800" b="1" kern="1200" dirty="0">
+              <a:solidFill>
+                <a:srgbClr val="002060"/>
+              </a:solidFill>
+            </a:rPr>
             <a:t>Easy to understand move sets</a:t>
           </a:r>
         </a:p>
@@ -2532,7 +3591,11 @@
             <a:buNone/>
           </a:pPr>
           <a:r>
-            <a:rPr lang="en-US" sz="1800" b="1" kern="1200" dirty="0"/>
+            <a:rPr lang="en-US" sz="1800" b="1" kern="1200" dirty="0">
+              <a:solidFill>
+                <a:srgbClr val="002060"/>
+              </a:solidFill>
+            </a:rPr>
             <a:t>Solve any type of scrambled cubes </a:t>
           </a:r>
         </a:p>
@@ -2596,7 +3659,11 @@
             <a:buNone/>
           </a:pPr>
           <a:r>
-            <a:rPr lang="en-US" sz="1800" b="1" kern="1200" dirty="0"/>
+            <a:rPr lang="en-US" sz="1800" b="1" kern="1200" dirty="0">
+              <a:solidFill>
+                <a:srgbClr val="002060"/>
+              </a:solidFill>
+            </a:rPr>
             <a:t>Learn algorithms related to Rubik’s Cube</a:t>
           </a:r>
         </a:p>
@@ -2840,7 +3907,7 @@
                 </a:outerShdw>
               </a:effectLst>
             </a:rPr>
-            <a:t>Smartly use cube operations to effect</a:t>
+            <a:t>Smartly use cube operations </a:t>
           </a:r>
         </a:p>
       </dsp:txBody>
@@ -3001,6 +4068,507 @@
       <dsp:txXfrm>
         <a:off x="8715061" y="337657"/>
         <a:ext cx="1686034" cy="817581"/>
+      </dsp:txXfrm>
+    </dsp:sp>
+  </dsp:spTree>
+</dsp:drawing>
+</file>
+
+<file path=ppt/diagrams/drawing3.xml><?xml version="1.0" encoding="utf-8"?>
+<dsp:drawing xmlns:dgm="http://schemas.openxmlformats.org/drawingml/2006/diagram" xmlns:dsp="http://schemas.microsoft.com/office/drawing/2008/diagram" xmlns:a="http://schemas.openxmlformats.org/drawingml/2006/main">
+  <dsp:spTree>
+    <dsp:nvGrpSpPr>
+      <dsp:cNvPr id="0" name=""/>
+      <dsp:cNvGrpSpPr/>
+    </dsp:nvGrpSpPr>
+    <dsp:grpSpPr/>
+    <dsp:sp modelId="{A523BAAE-7C20-42ED-BE87-F75DABA303B5}">
+      <dsp:nvSpPr>
+        <dsp:cNvPr id="0" name=""/>
+        <dsp:cNvSpPr/>
+      </dsp:nvSpPr>
+      <dsp:spPr>
+        <a:xfrm>
+          <a:off x="2924968" y="4134"/>
+          <a:ext cx="2278062" cy="1139031"/>
+        </a:xfrm>
+        <a:prstGeom prst="roundRect">
+          <a:avLst>
+            <a:gd name="adj" fmla="val 10000"/>
+          </a:avLst>
+        </a:prstGeom>
+        <a:solidFill>
+          <a:schemeClr val="accent1"/>
+        </a:solidFill>
+        <a:ln w="12700" cap="flat" cmpd="sng" algn="ctr">
+          <a:solidFill>
+            <a:schemeClr val="lt1">
+              <a:hueOff val="0"/>
+              <a:satOff val="0"/>
+              <a:lumOff val="0"/>
+              <a:alphaOff val="0"/>
+            </a:schemeClr>
+          </a:solidFill>
+          <a:prstDash val="solid"/>
+          <a:miter lim="800000"/>
+        </a:ln>
+        <a:effectLst/>
+      </dsp:spPr>
+      <dsp:style>
+        <a:lnRef idx="2">
+          <a:scrgbClr r="0" g="0" b="0"/>
+        </a:lnRef>
+        <a:fillRef idx="1">
+          <a:scrgbClr r="0" g="0" b="0"/>
+        </a:fillRef>
+        <a:effectRef idx="0">
+          <a:scrgbClr r="0" g="0" b="0"/>
+        </a:effectRef>
+        <a:fontRef idx="minor">
+          <a:schemeClr val="lt1"/>
+        </a:fontRef>
+      </dsp:style>
+      <dsp:txBody>
+        <a:bodyPr spcFirstLastPara="0" vert="horz" wrap="square" lIns="45720" tIns="30480" rIns="45720" bIns="30480" numCol="1" spcCol="1270" anchor="ctr" anchorCtr="0">
+          <a:noAutofit/>
+        </a:bodyPr>
+        <a:lstStyle/>
+        <a:p>
+          <a:pPr marL="0" lvl="0" indent="0" algn="ctr" defTabSz="1066800">
+            <a:lnSpc>
+              <a:spcPct val="90000"/>
+            </a:lnSpc>
+            <a:spcBef>
+              <a:spcPct val="0"/>
+            </a:spcBef>
+            <a:spcAft>
+              <a:spcPct val="35000"/>
+            </a:spcAft>
+            <a:buNone/>
+          </a:pPr>
+          <a:r>
+            <a:rPr lang="en-US" sz="2400" kern="1200" dirty="0"/>
+            <a:t>Initialize Cube operations</a:t>
+          </a:r>
+        </a:p>
+      </dsp:txBody>
+      <dsp:txXfrm>
+        <a:off x="2958329" y="37495"/>
+        <a:ext cx="2211340" cy="1072309"/>
+      </dsp:txXfrm>
+    </dsp:sp>
+    <dsp:sp modelId="{927A2A32-4587-4C21-8DD1-1A980E92E703}">
+      <dsp:nvSpPr>
+        <dsp:cNvPr id="0" name=""/>
+        <dsp:cNvSpPr/>
+      </dsp:nvSpPr>
+      <dsp:spPr>
+        <a:xfrm>
+          <a:off x="3152775" y="1143165"/>
+          <a:ext cx="227806" cy="854273"/>
+        </a:xfrm>
+        <a:custGeom>
+          <a:avLst/>
+          <a:gdLst/>
+          <a:ahLst/>
+          <a:cxnLst/>
+          <a:rect l="0" t="0" r="0" b="0"/>
+          <a:pathLst>
+            <a:path>
+              <a:moveTo>
+                <a:pt x="0" y="0"/>
+              </a:moveTo>
+              <a:lnTo>
+                <a:pt x="0" y="854273"/>
+              </a:lnTo>
+              <a:lnTo>
+                <a:pt x="227806" y="854273"/>
+              </a:lnTo>
+            </a:path>
+          </a:pathLst>
+        </a:custGeom>
+        <a:noFill/>
+        <a:ln w="12700" cap="flat" cmpd="sng" algn="ctr">
+          <a:solidFill>
+            <a:schemeClr val="accent1">
+              <a:shade val="60000"/>
+              <a:hueOff val="0"/>
+              <a:satOff val="0"/>
+              <a:lumOff val="0"/>
+              <a:alphaOff val="0"/>
+            </a:schemeClr>
+          </a:solidFill>
+          <a:prstDash val="solid"/>
+          <a:miter lim="800000"/>
+        </a:ln>
+        <a:effectLst/>
+      </dsp:spPr>
+      <dsp:style>
+        <a:lnRef idx="2">
+          <a:scrgbClr r="0" g="0" b="0"/>
+        </a:lnRef>
+        <a:fillRef idx="0">
+          <a:scrgbClr r="0" g="0" b="0"/>
+        </a:fillRef>
+        <a:effectRef idx="0">
+          <a:scrgbClr r="0" g="0" b="0"/>
+        </a:effectRef>
+        <a:fontRef idx="minor"/>
+      </dsp:style>
+    </dsp:sp>
+    <dsp:sp modelId="{988B01F5-A2DE-473D-9637-2CDDE123FB8D}">
+      <dsp:nvSpPr>
+        <dsp:cNvPr id="0" name=""/>
+        <dsp:cNvSpPr/>
+      </dsp:nvSpPr>
+      <dsp:spPr>
+        <a:xfrm>
+          <a:off x="3380581" y="1427923"/>
+          <a:ext cx="1822450" cy="1139031"/>
+        </a:xfrm>
+        <a:prstGeom prst="roundRect">
+          <a:avLst>
+            <a:gd name="adj" fmla="val 10000"/>
+          </a:avLst>
+        </a:prstGeom>
+        <a:solidFill>
+          <a:schemeClr val="lt1">
+            <a:alpha val="90000"/>
+            <a:hueOff val="0"/>
+            <a:satOff val="0"/>
+            <a:lumOff val="0"/>
+            <a:alphaOff val="0"/>
+          </a:schemeClr>
+        </a:solidFill>
+        <a:ln w="12700" cap="flat" cmpd="sng" algn="ctr">
+          <a:solidFill>
+            <a:schemeClr val="accent1">
+              <a:hueOff val="0"/>
+              <a:satOff val="0"/>
+              <a:lumOff val="0"/>
+              <a:alphaOff val="0"/>
+            </a:schemeClr>
+          </a:solidFill>
+          <a:prstDash val="solid"/>
+          <a:miter lim="800000"/>
+        </a:ln>
+        <a:effectLst/>
+      </dsp:spPr>
+      <dsp:style>
+        <a:lnRef idx="2">
+          <a:scrgbClr r="0" g="0" b="0"/>
+        </a:lnRef>
+        <a:fillRef idx="1">
+          <a:scrgbClr r="0" g="0" b="0"/>
+        </a:fillRef>
+        <a:effectRef idx="0">
+          <a:scrgbClr r="0" g="0" b="0"/>
+        </a:effectRef>
+        <a:fontRef idx="minor"/>
+      </dsp:style>
+      <dsp:txBody>
+        <a:bodyPr spcFirstLastPara="0" vert="horz" wrap="square" lIns="34290" tIns="22860" rIns="34290" bIns="22860" numCol="1" spcCol="1270" anchor="ctr" anchorCtr="0">
+          <a:noAutofit/>
+        </a:bodyPr>
+        <a:lstStyle/>
+        <a:p>
+          <a:pPr marL="0" lvl="0" indent="0" algn="ctr" defTabSz="800100">
+            <a:lnSpc>
+              <a:spcPct val="90000"/>
+            </a:lnSpc>
+            <a:spcBef>
+              <a:spcPct val="0"/>
+            </a:spcBef>
+            <a:spcAft>
+              <a:spcPct val="35000"/>
+            </a:spcAft>
+            <a:buNone/>
+          </a:pPr>
+          <a:r>
+            <a:rPr lang="en-US" sz="1800" kern="1200" dirty="0"/>
+            <a:t>Get a white cross on white side.</a:t>
+          </a:r>
+        </a:p>
+      </dsp:txBody>
+      <dsp:txXfrm>
+        <a:off x="3413942" y="1461284"/>
+        <a:ext cx="1755728" cy="1072309"/>
+      </dsp:txXfrm>
+    </dsp:sp>
+    <dsp:sp modelId="{23D0C57D-7A23-4ACB-A4FB-14C446DDE516}">
+      <dsp:nvSpPr>
+        <dsp:cNvPr id="0" name=""/>
+        <dsp:cNvSpPr/>
+      </dsp:nvSpPr>
+      <dsp:spPr>
+        <a:xfrm>
+          <a:off x="3152775" y="1143165"/>
+          <a:ext cx="227806" cy="2278062"/>
+        </a:xfrm>
+        <a:custGeom>
+          <a:avLst/>
+          <a:gdLst/>
+          <a:ahLst/>
+          <a:cxnLst/>
+          <a:rect l="0" t="0" r="0" b="0"/>
+          <a:pathLst>
+            <a:path>
+              <a:moveTo>
+                <a:pt x="0" y="0"/>
+              </a:moveTo>
+              <a:lnTo>
+                <a:pt x="0" y="2278062"/>
+              </a:lnTo>
+              <a:lnTo>
+                <a:pt x="227806" y="2278062"/>
+              </a:lnTo>
+            </a:path>
+          </a:pathLst>
+        </a:custGeom>
+        <a:noFill/>
+        <a:ln w="12700" cap="flat" cmpd="sng" algn="ctr">
+          <a:solidFill>
+            <a:schemeClr val="accent1">
+              <a:shade val="60000"/>
+              <a:hueOff val="0"/>
+              <a:satOff val="0"/>
+              <a:lumOff val="0"/>
+              <a:alphaOff val="0"/>
+            </a:schemeClr>
+          </a:solidFill>
+          <a:prstDash val="solid"/>
+          <a:miter lim="800000"/>
+        </a:ln>
+        <a:effectLst/>
+      </dsp:spPr>
+      <dsp:style>
+        <a:lnRef idx="2">
+          <a:scrgbClr r="0" g="0" b="0"/>
+        </a:lnRef>
+        <a:fillRef idx="0">
+          <a:scrgbClr r="0" g="0" b="0"/>
+        </a:fillRef>
+        <a:effectRef idx="0">
+          <a:scrgbClr r="0" g="0" b="0"/>
+        </a:effectRef>
+        <a:fontRef idx="minor"/>
+      </dsp:style>
+    </dsp:sp>
+    <dsp:sp modelId="{DE56433E-52C9-4EEF-B4DF-9F2BA8F6E2A3}">
+      <dsp:nvSpPr>
+        <dsp:cNvPr id="0" name=""/>
+        <dsp:cNvSpPr/>
+      </dsp:nvSpPr>
+      <dsp:spPr>
+        <a:xfrm>
+          <a:off x="3380581" y="2851712"/>
+          <a:ext cx="1822450" cy="1139031"/>
+        </a:xfrm>
+        <a:prstGeom prst="roundRect">
+          <a:avLst>
+            <a:gd name="adj" fmla="val 10000"/>
+          </a:avLst>
+        </a:prstGeom>
+        <a:solidFill>
+          <a:schemeClr val="lt1">
+            <a:alpha val="90000"/>
+            <a:hueOff val="0"/>
+            <a:satOff val="0"/>
+            <a:lumOff val="0"/>
+            <a:alphaOff val="0"/>
+          </a:schemeClr>
+        </a:solidFill>
+        <a:ln w="12700" cap="flat" cmpd="sng" algn="ctr">
+          <a:solidFill>
+            <a:schemeClr val="accent1">
+              <a:hueOff val="0"/>
+              <a:satOff val="0"/>
+              <a:lumOff val="0"/>
+              <a:alphaOff val="0"/>
+            </a:schemeClr>
+          </a:solidFill>
+          <a:prstDash val="solid"/>
+          <a:miter lim="800000"/>
+        </a:ln>
+        <a:effectLst/>
+      </dsp:spPr>
+      <dsp:style>
+        <a:lnRef idx="2">
+          <a:scrgbClr r="0" g="0" b="0"/>
+        </a:lnRef>
+        <a:fillRef idx="1">
+          <a:scrgbClr r="0" g="0" b="0"/>
+        </a:fillRef>
+        <a:effectRef idx="0">
+          <a:scrgbClr r="0" g="0" b="0"/>
+        </a:effectRef>
+        <a:fontRef idx="minor"/>
+      </dsp:style>
+      <dsp:txBody>
+        <a:bodyPr spcFirstLastPara="0" vert="horz" wrap="square" lIns="34290" tIns="22860" rIns="34290" bIns="22860" numCol="1" spcCol="1270" anchor="ctr" anchorCtr="0">
+          <a:noAutofit/>
+        </a:bodyPr>
+        <a:lstStyle/>
+        <a:p>
+          <a:pPr marL="0" lvl="0" indent="0" algn="ctr" defTabSz="800100">
+            <a:lnSpc>
+              <a:spcPct val="90000"/>
+            </a:lnSpc>
+            <a:spcBef>
+              <a:spcPct val="0"/>
+            </a:spcBef>
+            <a:spcAft>
+              <a:spcPct val="35000"/>
+            </a:spcAft>
+            <a:buNone/>
+          </a:pPr>
+          <a:r>
+            <a:rPr lang="en-US" sz="1800" kern="1200" dirty="0"/>
+            <a:t>Follow algorithm to solve F2L(First Two Layer).</a:t>
+          </a:r>
+        </a:p>
+      </dsp:txBody>
+      <dsp:txXfrm>
+        <a:off x="3413942" y="2885073"/>
+        <a:ext cx="1755728" cy="1072309"/>
+      </dsp:txXfrm>
+    </dsp:sp>
+    <dsp:sp modelId="{FC556AA5-E59B-44FB-A177-E579A7F22BBC}">
+      <dsp:nvSpPr>
+        <dsp:cNvPr id="0" name=""/>
+        <dsp:cNvSpPr/>
+      </dsp:nvSpPr>
+      <dsp:spPr>
+        <a:xfrm>
+          <a:off x="3152775" y="1143165"/>
+          <a:ext cx="227806" cy="3701851"/>
+        </a:xfrm>
+        <a:custGeom>
+          <a:avLst/>
+          <a:gdLst/>
+          <a:ahLst/>
+          <a:cxnLst/>
+          <a:rect l="0" t="0" r="0" b="0"/>
+          <a:pathLst>
+            <a:path>
+              <a:moveTo>
+                <a:pt x="0" y="0"/>
+              </a:moveTo>
+              <a:lnTo>
+                <a:pt x="0" y="3701851"/>
+              </a:lnTo>
+              <a:lnTo>
+                <a:pt x="227806" y="3701851"/>
+              </a:lnTo>
+            </a:path>
+          </a:pathLst>
+        </a:custGeom>
+        <a:noFill/>
+        <a:ln w="12700" cap="flat" cmpd="sng" algn="ctr">
+          <a:solidFill>
+            <a:schemeClr val="accent1">
+              <a:shade val="60000"/>
+              <a:hueOff val="0"/>
+              <a:satOff val="0"/>
+              <a:lumOff val="0"/>
+              <a:alphaOff val="0"/>
+            </a:schemeClr>
+          </a:solidFill>
+          <a:prstDash val="solid"/>
+          <a:miter lim="800000"/>
+        </a:ln>
+        <a:effectLst/>
+      </dsp:spPr>
+      <dsp:style>
+        <a:lnRef idx="2">
+          <a:scrgbClr r="0" g="0" b="0"/>
+        </a:lnRef>
+        <a:fillRef idx="0">
+          <a:scrgbClr r="0" g="0" b="0"/>
+        </a:fillRef>
+        <a:effectRef idx="0">
+          <a:scrgbClr r="0" g="0" b="0"/>
+        </a:effectRef>
+        <a:fontRef idx="minor"/>
+      </dsp:style>
+    </dsp:sp>
+    <dsp:sp modelId="{70D73792-D58F-4265-95D8-5BAAF7C254B4}">
+      <dsp:nvSpPr>
+        <dsp:cNvPr id="0" name=""/>
+        <dsp:cNvSpPr/>
+      </dsp:nvSpPr>
+      <dsp:spPr>
+        <a:xfrm>
+          <a:off x="3380581" y="4275501"/>
+          <a:ext cx="1822450" cy="1139031"/>
+        </a:xfrm>
+        <a:prstGeom prst="roundRect">
+          <a:avLst>
+            <a:gd name="adj" fmla="val 10000"/>
+          </a:avLst>
+        </a:prstGeom>
+        <a:solidFill>
+          <a:schemeClr val="lt1">
+            <a:alpha val="90000"/>
+            <a:hueOff val="0"/>
+            <a:satOff val="0"/>
+            <a:lumOff val="0"/>
+            <a:alphaOff val="0"/>
+          </a:schemeClr>
+        </a:solidFill>
+        <a:ln w="12700" cap="flat" cmpd="sng" algn="ctr">
+          <a:solidFill>
+            <a:schemeClr val="accent1">
+              <a:hueOff val="0"/>
+              <a:satOff val="0"/>
+              <a:lumOff val="0"/>
+              <a:alphaOff val="0"/>
+            </a:schemeClr>
+          </a:solidFill>
+          <a:prstDash val="solid"/>
+          <a:miter lim="800000"/>
+        </a:ln>
+        <a:effectLst/>
+      </dsp:spPr>
+      <dsp:style>
+        <a:lnRef idx="2">
+          <a:scrgbClr r="0" g="0" b="0"/>
+        </a:lnRef>
+        <a:fillRef idx="1">
+          <a:scrgbClr r="0" g="0" b="0"/>
+        </a:fillRef>
+        <a:effectRef idx="0">
+          <a:scrgbClr r="0" g="0" b="0"/>
+        </a:effectRef>
+        <a:fontRef idx="minor"/>
+      </dsp:style>
+      <dsp:txBody>
+        <a:bodyPr spcFirstLastPara="0" vert="horz" wrap="square" lIns="34290" tIns="22860" rIns="34290" bIns="22860" numCol="1" spcCol="1270" anchor="ctr" anchorCtr="0">
+          <a:noAutofit/>
+        </a:bodyPr>
+        <a:lstStyle/>
+        <a:p>
+          <a:pPr marL="0" lvl="0" indent="0" algn="ctr" defTabSz="800100">
+            <a:lnSpc>
+              <a:spcPct val="90000"/>
+            </a:lnSpc>
+            <a:spcBef>
+              <a:spcPct val="0"/>
+            </a:spcBef>
+            <a:spcAft>
+              <a:spcPct val="35000"/>
+            </a:spcAft>
+            <a:buNone/>
+          </a:pPr>
+          <a:r>
+            <a:rPr lang="en-US" sz="1800" kern="1200" dirty="0"/>
+            <a:t>Reorganize the corner pieces to solve the last layer.</a:t>
+          </a:r>
+        </a:p>
+      </dsp:txBody>
+      <dsp:txXfrm>
+        <a:off x="3413942" y="4308862"/>
+        <a:ext cx="1755728" cy="1072309"/>
       </dsp:txXfrm>
     </dsp:sp>
   </dsp:spTree>
@@ -3532,6 +5100,298 @@
 </dgm:layoutDef>
 </file>
 
+<file path=ppt/diagrams/layout3.xml><?xml version="1.0" encoding="utf-8"?>
+<dgm:layoutDef xmlns:dgm="http://schemas.openxmlformats.org/drawingml/2006/diagram" xmlns:a="http://schemas.openxmlformats.org/drawingml/2006/main" uniqueId="urn:microsoft.com/office/officeart/2005/8/layout/hierarchy3">
+  <dgm:title val=""/>
+  <dgm:desc val=""/>
+  <dgm:catLst>
+    <dgm:cat type="hierarchy" pri="7000"/>
+    <dgm:cat type="list" pri="23000"/>
+    <dgm:cat type="relationship" pri="15000"/>
+    <dgm:cat type="convert" pri="7000"/>
+  </dgm:catLst>
+  <dgm:sampData>
+    <dgm:dataModel>
+      <dgm:ptLst>
+        <dgm:pt modelId="0" type="doc"/>
+        <dgm:pt modelId="1">
+          <dgm:prSet phldr="1"/>
+        </dgm:pt>
+        <dgm:pt modelId="11">
+          <dgm:prSet phldr="1"/>
+        </dgm:pt>
+        <dgm:pt modelId="12">
+          <dgm:prSet phldr="1"/>
+        </dgm:pt>
+        <dgm:pt modelId="2">
+          <dgm:prSet phldr="1"/>
+        </dgm:pt>
+        <dgm:pt modelId="21">
+          <dgm:prSet phldr="1"/>
+        </dgm:pt>
+        <dgm:pt modelId="22">
+          <dgm:prSet phldr="1"/>
+        </dgm:pt>
+      </dgm:ptLst>
+      <dgm:cxnLst>
+        <dgm:cxn modelId="4" srcId="0" destId="1" srcOrd="0" destOrd="0"/>
+        <dgm:cxn modelId="5" srcId="1" destId="11" srcOrd="0" destOrd="0"/>
+        <dgm:cxn modelId="6" srcId="1" destId="12" srcOrd="1" destOrd="0"/>
+        <dgm:cxn modelId="7" srcId="0" destId="2" srcOrd="1" destOrd="0"/>
+        <dgm:cxn modelId="8" srcId="2" destId="21" srcOrd="0" destOrd="0"/>
+        <dgm:cxn modelId="9" srcId="2" destId="22" srcOrd="1" destOrd="0"/>
+      </dgm:cxnLst>
+      <dgm:bg/>
+      <dgm:whole/>
+    </dgm:dataModel>
+  </dgm:sampData>
+  <dgm:styleData>
+    <dgm:dataModel>
+      <dgm:ptLst>
+        <dgm:pt modelId="0" type="doc"/>
+        <dgm:pt modelId="1"/>
+        <dgm:pt modelId="11"/>
+        <dgm:pt modelId="2"/>
+        <dgm:pt modelId="21"/>
+      </dgm:ptLst>
+      <dgm:cxnLst>
+        <dgm:cxn modelId="4" srcId="0" destId="1" srcOrd="0" destOrd="0"/>
+        <dgm:cxn modelId="5" srcId="0" destId="2" srcOrd="1" destOrd="0"/>
+        <dgm:cxn modelId="13" srcId="1" destId="11" srcOrd="0" destOrd="0"/>
+        <dgm:cxn modelId="23" srcId="2" destId="21" srcOrd="0" destOrd="0"/>
+      </dgm:cxnLst>
+      <dgm:bg/>
+      <dgm:whole/>
+    </dgm:dataModel>
+  </dgm:styleData>
+  <dgm:clrData>
+    <dgm:dataModel>
+      <dgm:ptLst>
+        <dgm:pt modelId="0" type="doc"/>
+        <dgm:pt modelId="1"/>
+        <dgm:pt modelId="11"/>
+        <dgm:pt modelId="2"/>
+        <dgm:pt modelId="21"/>
+        <dgm:pt modelId="3"/>
+        <dgm:pt modelId="31"/>
+        <dgm:pt modelId="4"/>
+        <dgm:pt modelId="41"/>
+      </dgm:ptLst>
+      <dgm:cxnLst>
+        <dgm:cxn modelId="5" srcId="0" destId="1" srcOrd="0" destOrd="0"/>
+        <dgm:cxn modelId="6" srcId="0" destId="2" srcOrd="1" destOrd="0"/>
+        <dgm:cxn modelId="7" srcId="0" destId="3" srcOrd="2" destOrd="0"/>
+        <dgm:cxn modelId="8" srcId="0" destId="4" srcOrd="3" destOrd="0"/>
+        <dgm:cxn modelId="13" srcId="1" destId="11" srcOrd="0" destOrd="0"/>
+        <dgm:cxn modelId="23" srcId="2" destId="21" srcOrd="0" destOrd="0"/>
+        <dgm:cxn modelId="33" srcId="3" destId="31" srcOrd="0" destOrd="0"/>
+        <dgm:cxn modelId="43" srcId="4" destId="41" srcOrd="0" destOrd="0"/>
+      </dgm:cxnLst>
+      <dgm:bg/>
+      <dgm:whole/>
+    </dgm:dataModel>
+  </dgm:clrData>
+  <dgm:layoutNode name="diagram">
+    <dgm:varLst>
+      <dgm:chPref val="1"/>
+      <dgm:dir/>
+      <dgm:animOne val="branch"/>
+      <dgm:animLvl val="lvl"/>
+      <dgm:resizeHandles/>
+    </dgm:varLst>
+    <dgm:choose name="Name0">
+      <dgm:if name="Name1" func="var" arg="dir" op="equ" val="norm">
+        <dgm:alg type="hierChild">
+          <dgm:param type="linDir" val="fromL"/>
+        </dgm:alg>
+      </dgm:if>
+      <dgm:else name="Name2">
+        <dgm:alg type="hierChild">
+          <dgm:param type="linDir" val="fromR"/>
+        </dgm:alg>
+      </dgm:else>
+    </dgm:choose>
+    <dgm:shape xmlns:r="http://schemas.openxmlformats.org/officeDocument/2006/relationships" r:blip="">
+      <dgm:adjLst/>
+    </dgm:shape>
+    <dgm:presOf/>
+    <dgm:constrLst>
+      <dgm:constr type="primFontSz" for="des" forName="rootText" op="equ" val="65"/>
+      <dgm:constr type="primFontSz" for="des" forName="childText" op="equ" val="65"/>
+      <dgm:constr type="w" for="des" forName="rootComposite" refType="w"/>
+      <dgm:constr type="h" for="des" forName="rootComposite" refType="w" fact="0.5"/>
+      <dgm:constr type="w" for="des" forName="childText" refType="w" refFor="des" refForName="rootComposite" fact="0.8"/>
+      <dgm:constr type="h" for="des" forName="childText" refType="h" refFor="des" refForName="rootComposite"/>
+      <dgm:constr type="sibSp" refType="w" refFor="des" refForName="rootComposite" fact="0.25"/>
+      <dgm:constr type="sibSp" for="des" forName="childShape" refType="h" refFor="des" refForName="childText" fact="0.25"/>
+      <dgm:constr type="sp" for="des" forName="root" refType="h" refFor="des" refForName="childText" fact="0.25"/>
+    </dgm:constrLst>
+    <dgm:ruleLst/>
+    <dgm:forEach name="Name3" axis="ch">
+      <dgm:forEach name="Name4" axis="self" ptType="node" cnt="1">
+        <dgm:layoutNode name="root">
+          <dgm:choose name="Name5">
+            <dgm:if name="Name6" func="var" arg="dir" op="equ" val="norm">
+              <dgm:alg type="hierRoot">
+                <dgm:param type="hierAlign" val="tL"/>
+              </dgm:alg>
+            </dgm:if>
+            <dgm:else name="Name7">
+              <dgm:alg type="hierRoot">
+                <dgm:param type="hierAlign" val="tR"/>
+              </dgm:alg>
+            </dgm:else>
+          </dgm:choose>
+          <dgm:shape xmlns:r="http://schemas.openxmlformats.org/officeDocument/2006/relationships" r:blip="">
+            <dgm:adjLst/>
+          </dgm:shape>
+          <dgm:presOf/>
+          <dgm:constrLst>
+            <dgm:constr type="alignOff" val="0.2"/>
+          </dgm:constrLst>
+          <dgm:ruleLst/>
+          <dgm:layoutNode name="rootComposite">
+            <dgm:alg type="composite"/>
+            <dgm:shape xmlns:r="http://schemas.openxmlformats.org/officeDocument/2006/relationships" r:blip="">
+              <dgm:adjLst/>
+            </dgm:shape>
+            <dgm:presOf axis="self" ptType="node" cnt="1"/>
+            <dgm:choose name="Name8">
+              <dgm:if name="Name9" func="var" arg="dir" op="equ" val="norm">
+                <dgm:constrLst>
+                  <dgm:constr type="l" for="ch" forName="rootText"/>
+                  <dgm:constr type="t" for="ch" forName="rootText"/>
+                  <dgm:constr type="w" for="ch" forName="rootText" refType="w"/>
+                  <dgm:constr type="h" for="ch" forName="rootText" refType="h"/>
+                  <dgm:constr type="l" for="ch" forName="rootConnector"/>
+                  <dgm:constr type="t" for="ch" forName="rootConnector"/>
+                  <dgm:constr type="w" for="ch" forName="rootConnector" refType="w" refFor="ch" refForName="rootText" fact="0.2"/>
+                  <dgm:constr type="h" for="ch" forName="rootConnector" refType="h" refFor="ch" refForName="rootText"/>
+                </dgm:constrLst>
+              </dgm:if>
+              <dgm:else name="Name10">
+                <dgm:constrLst>
+                  <dgm:constr type="l" for="ch" forName="rootText"/>
+                  <dgm:constr type="t" for="ch" forName="rootText"/>
+                  <dgm:constr type="w" for="ch" forName="rootText" refType="w"/>
+                  <dgm:constr type="h" for="ch" forName="rootText" refType="h"/>
+                  <dgm:constr type="r" for="ch" forName="rootConnector" refType="w"/>
+                  <dgm:constr type="t" for="ch" forName="rootConnector"/>
+                  <dgm:constr type="w" for="ch" forName="rootConnector" refType="w" refFor="ch" refForName="rootText" fact="0.2"/>
+                  <dgm:constr type="h" for="ch" forName="rootConnector" refType="h" refFor="ch" refForName="rootText"/>
+                </dgm:constrLst>
+              </dgm:else>
+            </dgm:choose>
+            <dgm:ruleLst/>
+            <dgm:layoutNode name="rootText" styleLbl="node1">
+              <dgm:alg type="tx"/>
+              <dgm:shape xmlns:r="http://schemas.openxmlformats.org/officeDocument/2006/relationships" type="roundRect" r:blip="">
+                <dgm:adjLst>
+                  <dgm:adj idx="1" val="0.1"/>
+                </dgm:adjLst>
+              </dgm:shape>
+              <dgm:presOf axis="self" ptType="node" cnt="1"/>
+              <dgm:constrLst>
+                <dgm:constr type="tMarg" refType="primFontSz" fact="0.1"/>
+                <dgm:constr type="bMarg" refType="primFontSz" fact="0.1"/>
+                <dgm:constr type="lMarg" refType="primFontSz" fact="0.15"/>
+                <dgm:constr type="rMarg" refType="primFontSz" fact="0.15"/>
+              </dgm:constrLst>
+              <dgm:ruleLst>
+                <dgm:rule type="primFontSz" val="5" fact="NaN" max="NaN"/>
+              </dgm:ruleLst>
+            </dgm:layoutNode>
+            <dgm:layoutNode name="rootConnector" moveWith="rootText">
+              <dgm:alg type="sp"/>
+              <dgm:shape xmlns:r="http://schemas.openxmlformats.org/officeDocument/2006/relationships" type="roundRect" r:blip="" hideGeom="1">
+                <dgm:adjLst>
+                  <dgm:adj idx="1" val="0.1"/>
+                </dgm:adjLst>
+              </dgm:shape>
+              <dgm:presOf axis="self" ptType="node" cnt="1"/>
+              <dgm:constrLst/>
+              <dgm:ruleLst/>
+            </dgm:layoutNode>
+          </dgm:layoutNode>
+          <dgm:layoutNode name="childShape">
+            <dgm:alg type="hierChild">
+              <dgm:param type="chAlign" val="l"/>
+              <dgm:param type="linDir" val="fromT"/>
+            </dgm:alg>
+            <dgm:shape xmlns:r="http://schemas.openxmlformats.org/officeDocument/2006/relationships" r:blip="">
+              <dgm:adjLst/>
+            </dgm:shape>
+            <dgm:presOf/>
+            <dgm:constrLst/>
+            <dgm:ruleLst/>
+            <dgm:forEach name="Name11" axis="ch">
+              <dgm:forEach name="Name12" axis="self" ptType="parTrans" cnt="1">
+                <dgm:layoutNode name="Name13">
+                  <dgm:choose name="Name14">
+                    <dgm:if name="Name15" func="var" arg="dir" op="equ" val="norm">
+                      <dgm:alg type="conn">
+                        <dgm:param type="dim" val="1D"/>
+                        <dgm:param type="endSty" val="noArr"/>
+                        <dgm:param type="connRout" val="bend"/>
+                        <dgm:param type="srcNode" val="rootConnector"/>
+                        <dgm:param type="begPts" val="bCtr"/>
+                        <dgm:param type="endPts" val="midL"/>
+                      </dgm:alg>
+                    </dgm:if>
+                    <dgm:else name="Name16">
+                      <dgm:alg type="conn">
+                        <dgm:param type="dim" val="1D"/>
+                        <dgm:param type="endSty" val="noArr"/>
+                        <dgm:param type="connRout" val="bend"/>
+                        <dgm:param type="srcNode" val="rootConnector"/>
+                        <dgm:param type="begPts" val="bCtr"/>
+                        <dgm:param type="endPts" val="midR"/>
+                      </dgm:alg>
+                    </dgm:else>
+                  </dgm:choose>
+                  <dgm:shape xmlns:r="http://schemas.openxmlformats.org/officeDocument/2006/relationships" type="conn" r:blip="">
+                    <dgm:adjLst/>
+                  </dgm:shape>
+                  <dgm:presOf axis="self"/>
+                  <dgm:constrLst>
+                    <dgm:constr type="begPad"/>
+                    <dgm:constr type="endPad"/>
+                  </dgm:constrLst>
+                  <dgm:ruleLst/>
+                </dgm:layoutNode>
+              </dgm:forEach>
+              <dgm:forEach name="Name17" axis="self" ptType="node">
+                <dgm:layoutNode name="childText" styleLbl="bgAcc1">
+                  <dgm:varLst>
+                    <dgm:bulletEnabled val="1"/>
+                  </dgm:varLst>
+                  <dgm:alg type="tx"/>
+                  <dgm:shape xmlns:r="http://schemas.openxmlformats.org/officeDocument/2006/relationships" type="roundRect" r:blip="">
+                    <dgm:adjLst>
+                      <dgm:adj idx="1" val="0.1"/>
+                    </dgm:adjLst>
+                  </dgm:shape>
+                  <dgm:presOf axis="self desOrSelf" ptType="node node" st="1 1" cnt="1 0"/>
+                  <dgm:constrLst>
+                    <dgm:constr type="tMarg" refType="primFontSz" fact="0.1"/>
+                    <dgm:constr type="bMarg" refType="primFontSz" fact="0.1"/>
+                    <dgm:constr type="lMarg" refType="primFontSz" fact="0.15"/>
+                    <dgm:constr type="rMarg" refType="primFontSz" fact="0.15"/>
+                  </dgm:constrLst>
+                  <dgm:ruleLst>
+                    <dgm:rule type="primFontSz" val="5" fact="NaN" max="NaN"/>
+                  </dgm:ruleLst>
+                </dgm:layoutNode>
+              </dgm:forEach>
+            </dgm:forEach>
+          </dgm:layoutNode>
+        </dgm:layoutNode>
+      </dgm:forEach>
+    </dgm:forEach>
+  </dgm:layoutNode>
+</dgm:layoutDef>
+</file>
+
 <file path=ppt/diagrams/quickStyle1.xml><?xml version="1.0" encoding="utf-8"?>
 <dgm:styleDef xmlns:dgm="http://schemas.openxmlformats.org/drawingml/2006/diagram" xmlns:a="http://schemas.openxmlformats.org/drawingml/2006/main" uniqueId="urn:microsoft.com/office/officeart/2005/8/quickstyle/simple1">
   <dgm:title val=""/>
@@ -4567,6 +6427,1040 @@
 </file>
 
 <file path=ppt/diagrams/quickStyle2.xml><?xml version="1.0" encoding="utf-8"?>
+<dgm:styleDef xmlns:dgm="http://schemas.openxmlformats.org/drawingml/2006/diagram" xmlns:a="http://schemas.openxmlformats.org/drawingml/2006/main" uniqueId="urn:microsoft.com/office/officeart/2005/8/quickstyle/simple1">
+  <dgm:title val=""/>
+  <dgm:desc val=""/>
+  <dgm:catLst>
+    <dgm:cat type="simple" pri="10100"/>
+  </dgm:catLst>
+  <dgm:scene3d>
+    <a:camera prst="orthographicFront"/>
+    <a:lightRig rig="threePt" dir="t"/>
+  </dgm:scene3d>
+  <dgm:styleLbl name="node0">
+    <dgm:scene3d>
+      <a:camera prst="orthographicFront"/>
+      <a:lightRig rig="threePt" dir="t"/>
+    </dgm:scene3d>
+    <dgm:sp3d/>
+    <dgm:txPr/>
+    <dgm:style>
+      <a:lnRef idx="2">
+        <a:scrgbClr r="0" g="0" b="0"/>
+      </a:lnRef>
+      <a:fillRef idx="1">
+        <a:scrgbClr r="0" g="0" b="0"/>
+      </a:fillRef>
+      <a:effectRef idx="0">
+        <a:scrgbClr r="0" g="0" b="0"/>
+      </a:effectRef>
+      <a:fontRef idx="minor">
+        <a:schemeClr val="lt1"/>
+      </a:fontRef>
+    </dgm:style>
+  </dgm:styleLbl>
+  <dgm:styleLbl name="lnNode1">
+    <dgm:scene3d>
+      <a:camera prst="orthographicFront"/>
+      <a:lightRig rig="threePt" dir="t"/>
+    </dgm:scene3d>
+    <dgm:sp3d/>
+    <dgm:txPr/>
+    <dgm:style>
+      <a:lnRef idx="2">
+        <a:scrgbClr r="0" g="0" b="0"/>
+      </a:lnRef>
+      <a:fillRef idx="1">
+        <a:scrgbClr r="0" g="0" b="0"/>
+      </a:fillRef>
+      <a:effectRef idx="0">
+        <a:scrgbClr r="0" g="0" b="0"/>
+      </a:effectRef>
+      <a:fontRef idx="minor">
+        <a:schemeClr val="lt1"/>
+      </a:fontRef>
+    </dgm:style>
+  </dgm:styleLbl>
+  <dgm:styleLbl name="vennNode1">
+    <dgm:scene3d>
+      <a:camera prst="orthographicFront"/>
+      <a:lightRig rig="threePt" dir="t"/>
+    </dgm:scene3d>
+    <dgm:sp3d/>
+    <dgm:txPr/>
+    <dgm:style>
+      <a:lnRef idx="2">
+        <a:scrgbClr r="0" g="0" b="0"/>
+      </a:lnRef>
+      <a:fillRef idx="1">
+        <a:scrgbClr r="0" g="0" b="0"/>
+      </a:fillRef>
+      <a:effectRef idx="0">
+        <a:scrgbClr r="0" g="0" b="0"/>
+      </a:effectRef>
+      <a:fontRef idx="minor">
+        <a:schemeClr val="tx1"/>
+      </a:fontRef>
+    </dgm:style>
+  </dgm:styleLbl>
+  <dgm:styleLbl name="alignNode1">
+    <dgm:scene3d>
+      <a:camera prst="orthographicFront"/>
+      <a:lightRig rig="threePt" dir="t"/>
+    </dgm:scene3d>
+    <dgm:sp3d/>
+    <dgm:txPr/>
+    <dgm:style>
+      <a:lnRef idx="2">
+        <a:scrgbClr r="0" g="0" b="0"/>
+      </a:lnRef>
+      <a:fillRef idx="1">
+        <a:scrgbClr r="0" g="0" b="0"/>
+      </a:fillRef>
+      <a:effectRef idx="0">
+        <a:scrgbClr r="0" g="0" b="0"/>
+      </a:effectRef>
+      <a:fontRef idx="minor">
+        <a:schemeClr val="lt1"/>
+      </a:fontRef>
+    </dgm:style>
+  </dgm:styleLbl>
+  <dgm:styleLbl name="node1">
+    <dgm:scene3d>
+      <a:camera prst="orthographicFront"/>
+      <a:lightRig rig="threePt" dir="t"/>
+    </dgm:scene3d>
+    <dgm:sp3d/>
+    <dgm:txPr/>
+    <dgm:style>
+      <a:lnRef idx="2">
+        <a:scrgbClr r="0" g="0" b="0"/>
+      </a:lnRef>
+      <a:fillRef idx="1">
+        <a:scrgbClr r="0" g="0" b="0"/>
+      </a:fillRef>
+      <a:effectRef idx="0">
+        <a:scrgbClr r="0" g="0" b="0"/>
+      </a:effectRef>
+      <a:fontRef idx="minor">
+        <a:schemeClr val="lt1"/>
+      </a:fontRef>
+    </dgm:style>
+  </dgm:styleLbl>
+  <dgm:styleLbl name="node2">
+    <dgm:scene3d>
+      <a:camera prst="orthographicFront"/>
+      <a:lightRig rig="threePt" dir="t"/>
+    </dgm:scene3d>
+    <dgm:sp3d/>
+    <dgm:txPr/>
+    <dgm:style>
+      <a:lnRef idx="2">
+        <a:scrgbClr r="0" g="0" b="0"/>
+      </a:lnRef>
+      <a:fillRef idx="1">
+        <a:scrgbClr r="0" g="0" b="0"/>
+      </a:fillRef>
+      <a:effectRef idx="0">
+        <a:scrgbClr r="0" g="0" b="0"/>
+      </a:effectRef>
+      <a:fontRef idx="minor">
+        <a:schemeClr val="lt1"/>
+      </a:fontRef>
+    </dgm:style>
+  </dgm:styleLbl>
+  <dgm:styleLbl name="node3">
+    <dgm:scene3d>
+      <a:camera prst="orthographicFront"/>
+      <a:lightRig rig="threePt" dir="t"/>
+    </dgm:scene3d>
+    <dgm:sp3d/>
+    <dgm:txPr/>
+    <dgm:style>
+      <a:lnRef idx="2">
+        <a:scrgbClr r="0" g="0" b="0"/>
+      </a:lnRef>
+      <a:fillRef idx="1">
+        <a:scrgbClr r="0" g="0" b="0"/>
+      </a:fillRef>
+      <a:effectRef idx="0">
+        <a:scrgbClr r="0" g="0" b="0"/>
+      </a:effectRef>
+      <a:fontRef idx="minor">
+        <a:schemeClr val="lt1"/>
+      </a:fontRef>
+    </dgm:style>
+  </dgm:styleLbl>
+  <dgm:styleLbl name="node4">
+    <dgm:scene3d>
+      <a:camera prst="orthographicFront"/>
+      <a:lightRig rig="threePt" dir="t"/>
+    </dgm:scene3d>
+    <dgm:sp3d/>
+    <dgm:txPr/>
+    <dgm:style>
+      <a:lnRef idx="2">
+        <a:scrgbClr r="0" g="0" b="0"/>
+      </a:lnRef>
+      <a:fillRef idx="1">
+        <a:scrgbClr r="0" g="0" b="0"/>
+      </a:fillRef>
+      <a:effectRef idx="0">
+        <a:scrgbClr r="0" g="0" b="0"/>
+      </a:effectRef>
+      <a:fontRef idx="minor">
+        <a:schemeClr val="lt1"/>
+      </a:fontRef>
+    </dgm:style>
+  </dgm:styleLbl>
+  <dgm:styleLbl name="fgImgPlace1">
+    <dgm:scene3d>
+      <a:camera prst="orthographicFront"/>
+      <a:lightRig rig="threePt" dir="t"/>
+    </dgm:scene3d>
+    <dgm:sp3d/>
+    <dgm:txPr/>
+    <dgm:style>
+      <a:lnRef idx="2">
+        <a:scrgbClr r="0" g="0" b="0"/>
+      </a:lnRef>
+      <a:fillRef idx="1">
+        <a:scrgbClr r="0" g="0" b="0"/>
+      </a:fillRef>
+      <a:effectRef idx="0">
+        <a:scrgbClr r="0" g="0" b="0"/>
+      </a:effectRef>
+      <a:fontRef idx="minor"/>
+    </dgm:style>
+  </dgm:styleLbl>
+  <dgm:styleLbl name="alignImgPlace1">
+    <dgm:scene3d>
+      <a:camera prst="orthographicFront"/>
+      <a:lightRig rig="threePt" dir="t"/>
+    </dgm:scene3d>
+    <dgm:sp3d/>
+    <dgm:txPr/>
+    <dgm:style>
+      <a:lnRef idx="2">
+        <a:scrgbClr r="0" g="0" b="0"/>
+      </a:lnRef>
+      <a:fillRef idx="1">
+        <a:scrgbClr r="0" g="0" b="0"/>
+      </a:fillRef>
+      <a:effectRef idx="0">
+        <a:scrgbClr r="0" g="0" b="0"/>
+      </a:effectRef>
+      <a:fontRef idx="minor"/>
+    </dgm:style>
+  </dgm:styleLbl>
+  <dgm:styleLbl name="bgImgPlace1">
+    <dgm:scene3d>
+      <a:camera prst="orthographicFront"/>
+      <a:lightRig rig="threePt" dir="t"/>
+    </dgm:scene3d>
+    <dgm:sp3d/>
+    <dgm:txPr/>
+    <dgm:style>
+      <a:lnRef idx="2">
+        <a:scrgbClr r="0" g="0" b="0"/>
+      </a:lnRef>
+      <a:fillRef idx="1">
+        <a:scrgbClr r="0" g="0" b="0"/>
+      </a:fillRef>
+      <a:effectRef idx="0">
+        <a:scrgbClr r="0" g="0" b="0"/>
+      </a:effectRef>
+      <a:fontRef idx="minor"/>
+    </dgm:style>
+  </dgm:styleLbl>
+  <dgm:styleLbl name="sibTrans2D1">
+    <dgm:scene3d>
+      <a:camera prst="orthographicFront"/>
+      <a:lightRig rig="threePt" dir="t"/>
+    </dgm:scene3d>
+    <dgm:sp3d/>
+    <dgm:txPr/>
+    <dgm:style>
+      <a:lnRef idx="0">
+        <a:scrgbClr r="0" g="0" b="0"/>
+      </a:lnRef>
+      <a:fillRef idx="1">
+        <a:scrgbClr r="0" g="0" b="0"/>
+      </a:fillRef>
+      <a:effectRef idx="0">
+        <a:scrgbClr r="0" g="0" b="0"/>
+      </a:effectRef>
+      <a:fontRef idx="minor">
+        <a:schemeClr val="lt1"/>
+      </a:fontRef>
+    </dgm:style>
+  </dgm:styleLbl>
+  <dgm:styleLbl name="fgSibTrans2D1">
+    <dgm:scene3d>
+      <a:camera prst="orthographicFront"/>
+      <a:lightRig rig="threePt" dir="t"/>
+    </dgm:scene3d>
+    <dgm:sp3d/>
+    <dgm:txPr/>
+    <dgm:style>
+      <a:lnRef idx="0">
+        <a:scrgbClr r="0" g="0" b="0"/>
+      </a:lnRef>
+      <a:fillRef idx="1">
+        <a:scrgbClr r="0" g="0" b="0"/>
+      </a:fillRef>
+      <a:effectRef idx="0">
+        <a:scrgbClr r="0" g="0" b="0"/>
+      </a:effectRef>
+      <a:fontRef idx="minor">
+        <a:schemeClr val="lt1"/>
+      </a:fontRef>
+    </dgm:style>
+  </dgm:styleLbl>
+  <dgm:styleLbl name="bgSibTrans2D1">
+    <dgm:scene3d>
+      <a:camera prst="orthographicFront"/>
+      <a:lightRig rig="threePt" dir="t"/>
+    </dgm:scene3d>
+    <dgm:sp3d/>
+    <dgm:txPr/>
+    <dgm:style>
+      <a:lnRef idx="0">
+        <a:scrgbClr r="0" g="0" b="0"/>
+      </a:lnRef>
+      <a:fillRef idx="1">
+        <a:scrgbClr r="0" g="0" b="0"/>
+      </a:fillRef>
+      <a:effectRef idx="0">
+        <a:scrgbClr r="0" g="0" b="0"/>
+      </a:effectRef>
+      <a:fontRef idx="minor">
+        <a:schemeClr val="lt1"/>
+      </a:fontRef>
+    </dgm:style>
+  </dgm:styleLbl>
+  <dgm:styleLbl name="sibTrans1D1">
+    <dgm:scene3d>
+      <a:camera prst="orthographicFront"/>
+      <a:lightRig rig="threePt" dir="t"/>
+    </dgm:scene3d>
+    <dgm:sp3d/>
+    <dgm:txPr/>
+    <dgm:style>
+      <a:lnRef idx="1">
+        <a:scrgbClr r="0" g="0" b="0"/>
+      </a:lnRef>
+      <a:fillRef idx="0">
+        <a:scrgbClr r="0" g="0" b="0"/>
+      </a:fillRef>
+      <a:effectRef idx="0">
+        <a:scrgbClr r="0" g="0" b="0"/>
+      </a:effectRef>
+      <a:fontRef idx="minor"/>
+    </dgm:style>
+  </dgm:styleLbl>
+  <dgm:styleLbl name="callout">
+    <dgm:scene3d>
+      <a:camera prst="orthographicFront"/>
+      <a:lightRig rig="threePt" dir="t"/>
+    </dgm:scene3d>
+    <dgm:sp3d/>
+    <dgm:txPr/>
+    <dgm:style>
+      <a:lnRef idx="2">
+        <a:scrgbClr r="0" g="0" b="0"/>
+      </a:lnRef>
+      <a:fillRef idx="1">
+        <a:scrgbClr r="0" g="0" b="0"/>
+      </a:fillRef>
+      <a:effectRef idx="0">
+        <a:scrgbClr r="0" g="0" b="0"/>
+      </a:effectRef>
+      <a:fontRef idx="minor"/>
+    </dgm:style>
+  </dgm:styleLbl>
+  <dgm:styleLbl name="asst0">
+    <dgm:scene3d>
+      <a:camera prst="orthographicFront"/>
+      <a:lightRig rig="threePt" dir="t"/>
+    </dgm:scene3d>
+    <dgm:sp3d/>
+    <dgm:txPr/>
+    <dgm:style>
+      <a:lnRef idx="2">
+        <a:scrgbClr r="0" g="0" b="0"/>
+      </a:lnRef>
+      <a:fillRef idx="1">
+        <a:scrgbClr r="0" g="0" b="0"/>
+      </a:fillRef>
+      <a:effectRef idx="0">
+        <a:scrgbClr r="0" g="0" b="0"/>
+      </a:effectRef>
+      <a:fontRef idx="minor">
+        <a:schemeClr val="lt1"/>
+      </a:fontRef>
+    </dgm:style>
+  </dgm:styleLbl>
+  <dgm:styleLbl name="asst1">
+    <dgm:scene3d>
+      <a:camera prst="orthographicFront"/>
+      <a:lightRig rig="threePt" dir="t"/>
+    </dgm:scene3d>
+    <dgm:sp3d/>
+    <dgm:txPr/>
+    <dgm:style>
+      <a:lnRef idx="2">
+        <a:scrgbClr r="0" g="0" b="0"/>
+      </a:lnRef>
+      <a:fillRef idx="1">
+        <a:scrgbClr r="0" g="0" b="0"/>
+      </a:fillRef>
+      <a:effectRef idx="0">
+        <a:scrgbClr r="0" g="0" b="0"/>
+      </a:effectRef>
+      <a:fontRef idx="minor">
+        <a:schemeClr val="lt1"/>
+      </a:fontRef>
+    </dgm:style>
+  </dgm:styleLbl>
+  <dgm:styleLbl name="asst2">
+    <dgm:scene3d>
+      <a:camera prst="orthographicFront"/>
+      <a:lightRig rig="threePt" dir="t"/>
+    </dgm:scene3d>
+    <dgm:sp3d/>
+    <dgm:txPr/>
+    <dgm:style>
+      <a:lnRef idx="2">
+        <a:scrgbClr r="0" g="0" b="0"/>
+      </a:lnRef>
+      <a:fillRef idx="1">
+        <a:scrgbClr r="0" g="0" b="0"/>
+      </a:fillRef>
+      <a:effectRef idx="0">
+        <a:scrgbClr r="0" g="0" b="0"/>
+      </a:effectRef>
+      <a:fontRef idx="minor">
+        <a:schemeClr val="lt1"/>
+      </a:fontRef>
+    </dgm:style>
+  </dgm:styleLbl>
+  <dgm:styleLbl name="asst3">
+    <dgm:scene3d>
+      <a:camera prst="orthographicFront"/>
+      <a:lightRig rig="threePt" dir="t"/>
+    </dgm:scene3d>
+    <dgm:sp3d/>
+    <dgm:txPr/>
+    <dgm:style>
+      <a:lnRef idx="2">
+        <a:scrgbClr r="0" g="0" b="0"/>
+      </a:lnRef>
+      <a:fillRef idx="1">
+        <a:scrgbClr r="0" g="0" b="0"/>
+      </a:fillRef>
+      <a:effectRef idx="0">
+        <a:scrgbClr r="0" g="0" b="0"/>
+      </a:effectRef>
+      <a:fontRef idx="minor">
+        <a:schemeClr val="lt1"/>
+      </a:fontRef>
+    </dgm:style>
+  </dgm:styleLbl>
+  <dgm:styleLbl name="asst4">
+    <dgm:scene3d>
+      <a:camera prst="orthographicFront"/>
+      <a:lightRig rig="threePt" dir="t"/>
+    </dgm:scene3d>
+    <dgm:sp3d/>
+    <dgm:txPr/>
+    <dgm:style>
+      <a:lnRef idx="2">
+        <a:scrgbClr r="0" g="0" b="0"/>
+      </a:lnRef>
+      <a:fillRef idx="1">
+        <a:scrgbClr r="0" g="0" b="0"/>
+      </a:fillRef>
+      <a:effectRef idx="0">
+        <a:scrgbClr r="0" g="0" b="0"/>
+      </a:effectRef>
+      <a:fontRef idx="minor">
+        <a:schemeClr val="lt1"/>
+      </a:fontRef>
+    </dgm:style>
+  </dgm:styleLbl>
+  <dgm:styleLbl name="parChTrans2D1">
+    <dgm:scene3d>
+      <a:camera prst="orthographicFront"/>
+      <a:lightRig rig="threePt" dir="t"/>
+    </dgm:scene3d>
+    <dgm:sp3d/>
+    <dgm:txPr/>
+    <dgm:style>
+      <a:lnRef idx="2">
+        <a:scrgbClr r="0" g="0" b="0"/>
+      </a:lnRef>
+      <a:fillRef idx="1">
+        <a:scrgbClr r="0" g="0" b="0"/>
+      </a:fillRef>
+      <a:effectRef idx="0">
+        <a:scrgbClr r="0" g="0" b="0"/>
+      </a:effectRef>
+      <a:fontRef idx="minor">
+        <a:schemeClr val="lt1"/>
+      </a:fontRef>
+    </dgm:style>
+  </dgm:styleLbl>
+  <dgm:styleLbl name="parChTrans2D2">
+    <dgm:scene3d>
+      <a:camera prst="orthographicFront"/>
+      <a:lightRig rig="threePt" dir="t"/>
+    </dgm:scene3d>
+    <dgm:sp3d/>
+    <dgm:txPr/>
+    <dgm:style>
+      <a:lnRef idx="2">
+        <a:scrgbClr r="0" g="0" b="0"/>
+      </a:lnRef>
+      <a:fillRef idx="1">
+        <a:scrgbClr r="0" g="0" b="0"/>
+      </a:fillRef>
+      <a:effectRef idx="0">
+        <a:scrgbClr r="0" g="0" b="0"/>
+      </a:effectRef>
+      <a:fontRef idx="minor">
+        <a:schemeClr val="lt1"/>
+      </a:fontRef>
+    </dgm:style>
+  </dgm:styleLbl>
+  <dgm:styleLbl name="parChTrans2D3">
+    <dgm:scene3d>
+      <a:camera prst="orthographicFront"/>
+      <a:lightRig rig="threePt" dir="t"/>
+    </dgm:scene3d>
+    <dgm:sp3d/>
+    <dgm:txPr/>
+    <dgm:style>
+      <a:lnRef idx="2">
+        <a:scrgbClr r="0" g="0" b="0"/>
+      </a:lnRef>
+      <a:fillRef idx="1">
+        <a:scrgbClr r="0" g="0" b="0"/>
+      </a:fillRef>
+      <a:effectRef idx="0">
+        <a:scrgbClr r="0" g="0" b="0"/>
+      </a:effectRef>
+      <a:fontRef idx="minor">
+        <a:schemeClr val="lt1"/>
+      </a:fontRef>
+    </dgm:style>
+  </dgm:styleLbl>
+  <dgm:styleLbl name="parChTrans2D4">
+    <dgm:scene3d>
+      <a:camera prst="orthographicFront"/>
+      <a:lightRig rig="threePt" dir="t"/>
+    </dgm:scene3d>
+    <dgm:sp3d/>
+    <dgm:txPr/>
+    <dgm:style>
+      <a:lnRef idx="2">
+        <a:scrgbClr r="0" g="0" b="0"/>
+      </a:lnRef>
+      <a:fillRef idx="1">
+        <a:scrgbClr r="0" g="0" b="0"/>
+      </a:fillRef>
+      <a:effectRef idx="0">
+        <a:scrgbClr r="0" g="0" b="0"/>
+      </a:effectRef>
+      <a:fontRef idx="minor">
+        <a:schemeClr val="lt1"/>
+      </a:fontRef>
+    </dgm:style>
+  </dgm:styleLbl>
+  <dgm:styleLbl name="parChTrans1D1">
+    <dgm:scene3d>
+      <a:camera prst="orthographicFront"/>
+      <a:lightRig rig="threePt" dir="t"/>
+    </dgm:scene3d>
+    <dgm:sp3d/>
+    <dgm:txPr/>
+    <dgm:style>
+      <a:lnRef idx="2">
+        <a:scrgbClr r="0" g="0" b="0"/>
+      </a:lnRef>
+      <a:fillRef idx="0">
+        <a:scrgbClr r="0" g="0" b="0"/>
+      </a:fillRef>
+      <a:effectRef idx="0">
+        <a:scrgbClr r="0" g="0" b="0"/>
+      </a:effectRef>
+      <a:fontRef idx="minor"/>
+    </dgm:style>
+  </dgm:styleLbl>
+  <dgm:styleLbl name="parChTrans1D2">
+    <dgm:scene3d>
+      <a:camera prst="orthographicFront"/>
+      <a:lightRig rig="threePt" dir="t"/>
+    </dgm:scene3d>
+    <dgm:sp3d/>
+    <dgm:txPr/>
+    <dgm:style>
+      <a:lnRef idx="2">
+        <a:scrgbClr r="0" g="0" b="0"/>
+      </a:lnRef>
+      <a:fillRef idx="0">
+        <a:scrgbClr r="0" g="0" b="0"/>
+      </a:fillRef>
+      <a:effectRef idx="0">
+        <a:scrgbClr r="0" g="0" b="0"/>
+      </a:effectRef>
+      <a:fontRef idx="minor"/>
+    </dgm:style>
+  </dgm:styleLbl>
+  <dgm:styleLbl name="parChTrans1D3">
+    <dgm:scene3d>
+      <a:camera prst="orthographicFront"/>
+      <a:lightRig rig="threePt" dir="t"/>
+    </dgm:scene3d>
+    <dgm:sp3d/>
+    <dgm:txPr/>
+    <dgm:style>
+      <a:lnRef idx="2">
+        <a:scrgbClr r="0" g="0" b="0"/>
+      </a:lnRef>
+      <a:fillRef idx="0">
+        <a:scrgbClr r="0" g="0" b="0"/>
+      </a:fillRef>
+      <a:effectRef idx="0">
+        <a:scrgbClr r="0" g="0" b="0"/>
+      </a:effectRef>
+      <a:fontRef idx="minor"/>
+    </dgm:style>
+  </dgm:styleLbl>
+  <dgm:styleLbl name="parChTrans1D4">
+    <dgm:scene3d>
+      <a:camera prst="orthographicFront"/>
+      <a:lightRig rig="threePt" dir="t"/>
+    </dgm:scene3d>
+    <dgm:sp3d/>
+    <dgm:txPr/>
+    <dgm:style>
+      <a:lnRef idx="2">
+        <a:scrgbClr r="0" g="0" b="0"/>
+      </a:lnRef>
+      <a:fillRef idx="0">
+        <a:scrgbClr r="0" g="0" b="0"/>
+      </a:fillRef>
+      <a:effectRef idx="0">
+        <a:scrgbClr r="0" g="0" b="0"/>
+      </a:effectRef>
+      <a:fontRef idx="minor"/>
+    </dgm:style>
+  </dgm:styleLbl>
+  <dgm:styleLbl name="fgAcc1">
+    <dgm:scene3d>
+      <a:camera prst="orthographicFront"/>
+      <a:lightRig rig="threePt" dir="t"/>
+    </dgm:scene3d>
+    <dgm:sp3d/>
+    <dgm:txPr/>
+    <dgm:style>
+      <a:lnRef idx="2">
+        <a:scrgbClr r="0" g="0" b="0"/>
+      </a:lnRef>
+      <a:fillRef idx="1">
+        <a:scrgbClr r="0" g="0" b="0"/>
+      </a:fillRef>
+      <a:effectRef idx="0">
+        <a:scrgbClr r="0" g="0" b="0"/>
+      </a:effectRef>
+      <a:fontRef idx="minor"/>
+    </dgm:style>
+  </dgm:styleLbl>
+  <dgm:styleLbl name="conFgAcc1">
+    <dgm:scene3d>
+      <a:camera prst="orthographicFront"/>
+      <a:lightRig rig="threePt" dir="t"/>
+    </dgm:scene3d>
+    <dgm:sp3d/>
+    <dgm:txPr/>
+    <dgm:style>
+      <a:lnRef idx="2">
+        <a:scrgbClr r="0" g="0" b="0"/>
+      </a:lnRef>
+      <a:fillRef idx="1">
+        <a:scrgbClr r="0" g="0" b="0"/>
+      </a:fillRef>
+      <a:effectRef idx="0">
+        <a:scrgbClr r="0" g="0" b="0"/>
+      </a:effectRef>
+      <a:fontRef idx="minor"/>
+    </dgm:style>
+  </dgm:styleLbl>
+  <dgm:styleLbl name="alignAcc1">
+    <dgm:scene3d>
+      <a:camera prst="orthographicFront"/>
+      <a:lightRig rig="threePt" dir="t"/>
+    </dgm:scene3d>
+    <dgm:sp3d/>
+    <dgm:txPr/>
+    <dgm:style>
+      <a:lnRef idx="2">
+        <a:scrgbClr r="0" g="0" b="0"/>
+      </a:lnRef>
+      <a:fillRef idx="1">
+        <a:scrgbClr r="0" g="0" b="0"/>
+      </a:fillRef>
+      <a:effectRef idx="0">
+        <a:scrgbClr r="0" g="0" b="0"/>
+      </a:effectRef>
+      <a:fontRef idx="minor"/>
+    </dgm:style>
+  </dgm:styleLbl>
+  <dgm:styleLbl name="trAlignAcc1">
+    <dgm:scene3d>
+      <a:camera prst="orthographicFront"/>
+      <a:lightRig rig="threePt" dir="t"/>
+    </dgm:scene3d>
+    <dgm:sp3d/>
+    <dgm:txPr/>
+    <dgm:style>
+      <a:lnRef idx="1">
+        <a:scrgbClr r="0" g="0" b="0"/>
+      </a:lnRef>
+      <a:fillRef idx="1">
+        <a:scrgbClr r="0" g="0" b="0"/>
+      </a:fillRef>
+      <a:effectRef idx="0">
+        <a:scrgbClr r="0" g="0" b="0"/>
+      </a:effectRef>
+      <a:fontRef idx="minor"/>
+    </dgm:style>
+  </dgm:styleLbl>
+  <dgm:styleLbl name="bgAcc1">
+    <dgm:scene3d>
+      <a:camera prst="orthographicFront"/>
+      <a:lightRig rig="threePt" dir="t"/>
+    </dgm:scene3d>
+    <dgm:sp3d/>
+    <dgm:txPr/>
+    <dgm:style>
+      <a:lnRef idx="2">
+        <a:scrgbClr r="0" g="0" b="0"/>
+      </a:lnRef>
+      <a:fillRef idx="1">
+        <a:scrgbClr r="0" g="0" b="0"/>
+      </a:fillRef>
+      <a:effectRef idx="0">
+        <a:scrgbClr r="0" g="0" b="0"/>
+      </a:effectRef>
+      <a:fontRef idx="minor"/>
+    </dgm:style>
+  </dgm:styleLbl>
+  <dgm:styleLbl name="solidFgAcc1">
+    <dgm:scene3d>
+      <a:camera prst="orthographicFront"/>
+      <a:lightRig rig="threePt" dir="t"/>
+    </dgm:scene3d>
+    <dgm:sp3d/>
+    <dgm:txPr/>
+    <dgm:style>
+      <a:lnRef idx="2">
+        <a:scrgbClr r="0" g="0" b="0"/>
+      </a:lnRef>
+      <a:fillRef idx="1">
+        <a:scrgbClr r="0" g="0" b="0"/>
+      </a:fillRef>
+      <a:effectRef idx="0">
+        <a:scrgbClr r="0" g="0" b="0"/>
+      </a:effectRef>
+      <a:fontRef idx="minor"/>
+    </dgm:style>
+  </dgm:styleLbl>
+  <dgm:styleLbl name="solidAlignAcc1">
+    <dgm:scene3d>
+      <a:camera prst="orthographicFront"/>
+      <a:lightRig rig="threePt" dir="t"/>
+    </dgm:scene3d>
+    <dgm:sp3d/>
+    <dgm:txPr/>
+    <dgm:style>
+      <a:lnRef idx="2">
+        <a:scrgbClr r="0" g="0" b="0"/>
+      </a:lnRef>
+      <a:fillRef idx="1">
+        <a:scrgbClr r="0" g="0" b="0"/>
+      </a:fillRef>
+      <a:effectRef idx="0">
+        <a:scrgbClr r="0" g="0" b="0"/>
+      </a:effectRef>
+      <a:fontRef idx="minor"/>
+    </dgm:style>
+  </dgm:styleLbl>
+  <dgm:styleLbl name="solidBgAcc1">
+    <dgm:scene3d>
+      <a:camera prst="orthographicFront"/>
+      <a:lightRig rig="threePt" dir="t"/>
+    </dgm:scene3d>
+    <dgm:sp3d/>
+    <dgm:txPr/>
+    <dgm:style>
+      <a:lnRef idx="2">
+        <a:scrgbClr r="0" g="0" b="0"/>
+      </a:lnRef>
+      <a:fillRef idx="1">
+        <a:scrgbClr r="0" g="0" b="0"/>
+      </a:fillRef>
+      <a:effectRef idx="0">
+        <a:scrgbClr r="0" g="0" b="0"/>
+      </a:effectRef>
+      <a:fontRef idx="minor"/>
+    </dgm:style>
+  </dgm:styleLbl>
+  <dgm:styleLbl name="fgAccFollowNode1">
+    <dgm:scene3d>
+      <a:camera prst="orthographicFront"/>
+      <a:lightRig rig="threePt" dir="t"/>
+    </dgm:scene3d>
+    <dgm:sp3d/>
+    <dgm:txPr/>
+    <dgm:style>
+      <a:lnRef idx="2">
+        <a:scrgbClr r="0" g="0" b="0"/>
+      </a:lnRef>
+      <a:fillRef idx="1">
+        <a:scrgbClr r="0" g="0" b="0"/>
+      </a:fillRef>
+      <a:effectRef idx="0">
+        <a:scrgbClr r="0" g="0" b="0"/>
+      </a:effectRef>
+      <a:fontRef idx="minor"/>
+    </dgm:style>
+  </dgm:styleLbl>
+  <dgm:styleLbl name="alignAccFollowNode1">
+    <dgm:scene3d>
+      <a:camera prst="orthographicFront"/>
+      <a:lightRig rig="threePt" dir="t"/>
+    </dgm:scene3d>
+    <dgm:sp3d/>
+    <dgm:txPr/>
+    <dgm:style>
+      <a:lnRef idx="2">
+        <a:scrgbClr r="0" g="0" b="0"/>
+      </a:lnRef>
+      <a:fillRef idx="1">
+        <a:scrgbClr r="0" g="0" b="0"/>
+      </a:fillRef>
+      <a:effectRef idx="0">
+        <a:scrgbClr r="0" g="0" b="0"/>
+      </a:effectRef>
+      <a:fontRef idx="minor"/>
+    </dgm:style>
+  </dgm:styleLbl>
+  <dgm:styleLbl name="bgAccFollowNode1">
+    <dgm:scene3d>
+      <a:camera prst="orthographicFront"/>
+      <a:lightRig rig="threePt" dir="t"/>
+    </dgm:scene3d>
+    <dgm:sp3d/>
+    <dgm:txPr/>
+    <dgm:style>
+      <a:lnRef idx="2">
+        <a:scrgbClr r="0" g="0" b="0"/>
+      </a:lnRef>
+      <a:fillRef idx="1">
+        <a:scrgbClr r="0" g="0" b="0"/>
+      </a:fillRef>
+      <a:effectRef idx="0">
+        <a:scrgbClr r="0" g="0" b="0"/>
+      </a:effectRef>
+      <a:fontRef idx="minor"/>
+    </dgm:style>
+  </dgm:styleLbl>
+  <dgm:styleLbl name="fgAcc0">
+    <dgm:scene3d>
+      <a:camera prst="orthographicFront"/>
+      <a:lightRig rig="threePt" dir="t"/>
+    </dgm:scene3d>
+    <dgm:sp3d/>
+    <dgm:txPr/>
+    <dgm:style>
+      <a:lnRef idx="2">
+        <a:scrgbClr r="0" g="0" b="0"/>
+      </a:lnRef>
+      <a:fillRef idx="1">
+        <a:scrgbClr r="0" g="0" b="0"/>
+      </a:fillRef>
+      <a:effectRef idx="0">
+        <a:scrgbClr r="0" g="0" b="0"/>
+      </a:effectRef>
+      <a:fontRef idx="minor"/>
+    </dgm:style>
+  </dgm:styleLbl>
+  <dgm:styleLbl name="fgAcc2">
+    <dgm:scene3d>
+      <a:camera prst="orthographicFront"/>
+      <a:lightRig rig="threePt" dir="t"/>
+    </dgm:scene3d>
+    <dgm:sp3d/>
+    <dgm:txPr/>
+    <dgm:style>
+      <a:lnRef idx="2">
+        <a:scrgbClr r="0" g="0" b="0"/>
+      </a:lnRef>
+      <a:fillRef idx="1">
+        <a:scrgbClr r="0" g="0" b="0"/>
+      </a:fillRef>
+      <a:effectRef idx="0">
+        <a:scrgbClr r="0" g="0" b="0"/>
+      </a:effectRef>
+      <a:fontRef idx="minor"/>
+    </dgm:style>
+  </dgm:styleLbl>
+  <dgm:styleLbl name="fgAcc3">
+    <dgm:scene3d>
+      <a:camera prst="orthographicFront"/>
+      <a:lightRig rig="threePt" dir="t"/>
+    </dgm:scene3d>
+    <dgm:sp3d/>
+    <dgm:txPr/>
+    <dgm:style>
+      <a:lnRef idx="2">
+        <a:scrgbClr r="0" g="0" b="0"/>
+      </a:lnRef>
+      <a:fillRef idx="1">
+        <a:scrgbClr r="0" g="0" b="0"/>
+      </a:fillRef>
+      <a:effectRef idx="0">
+        <a:scrgbClr r="0" g="0" b="0"/>
+      </a:effectRef>
+      <a:fontRef idx="minor"/>
+    </dgm:style>
+  </dgm:styleLbl>
+  <dgm:styleLbl name="fgAcc4">
+    <dgm:scene3d>
+      <a:camera prst="orthographicFront"/>
+      <a:lightRig rig="threePt" dir="t"/>
+    </dgm:scene3d>
+    <dgm:sp3d/>
+    <dgm:txPr/>
+    <dgm:style>
+      <a:lnRef idx="2">
+        <a:scrgbClr r="0" g="0" b="0"/>
+      </a:lnRef>
+      <a:fillRef idx="1">
+        <a:scrgbClr r="0" g="0" b="0"/>
+      </a:fillRef>
+      <a:effectRef idx="0">
+        <a:scrgbClr r="0" g="0" b="0"/>
+      </a:effectRef>
+      <a:fontRef idx="minor"/>
+    </dgm:style>
+  </dgm:styleLbl>
+  <dgm:styleLbl name="bgShp">
+    <dgm:scene3d>
+      <a:camera prst="orthographicFront"/>
+      <a:lightRig rig="threePt" dir="t"/>
+    </dgm:scene3d>
+    <dgm:sp3d/>
+    <dgm:txPr/>
+    <dgm:style>
+      <a:lnRef idx="0">
+        <a:scrgbClr r="0" g="0" b="0"/>
+      </a:lnRef>
+      <a:fillRef idx="1">
+        <a:scrgbClr r="0" g="0" b="0"/>
+      </a:fillRef>
+      <a:effectRef idx="0">
+        <a:scrgbClr r="0" g="0" b="0"/>
+      </a:effectRef>
+      <a:fontRef idx="minor"/>
+    </dgm:style>
+  </dgm:styleLbl>
+  <dgm:styleLbl name="dkBgShp">
+    <dgm:scene3d>
+      <a:camera prst="orthographicFront"/>
+      <a:lightRig rig="threePt" dir="t"/>
+    </dgm:scene3d>
+    <dgm:sp3d/>
+    <dgm:txPr/>
+    <dgm:style>
+      <a:lnRef idx="0">
+        <a:scrgbClr r="0" g="0" b="0"/>
+      </a:lnRef>
+      <a:fillRef idx="1">
+        <a:scrgbClr r="0" g="0" b="0"/>
+      </a:fillRef>
+      <a:effectRef idx="0">
+        <a:scrgbClr r="0" g="0" b="0"/>
+      </a:effectRef>
+      <a:fontRef idx="minor"/>
+    </dgm:style>
+  </dgm:styleLbl>
+  <dgm:styleLbl name="trBgShp">
+    <dgm:scene3d>
+      <a:camera prst="orthographicFront"/>
+      <a:lightRig rig="threePt" dir="t"/>
+    </dgm:scene3d>
+    <dgm:sp3d/>
+    <dgm:txPr/>
+    <dgm:style>
+      <a:lnRef idx="0">
+        <a:scrgbClr r="0" g="0" b="0"/>
+      </a:lnRef>
+      <a:fillRef idx="1">
+        <a:scrgbClr r="0" g="0" b="0"/>
+      </a:fillRef>
+      <a:effectRef idx="0">
+        <a:scrgbClr r="0" g="0" b="0"/>
+      </a:effectRef>
+      <a:fontRef idx="minor"/>
+    </dgm:style>
+  </dgm:styleLbl>
+  <dgm:styleLbl name="fgShp">
+    <dgm:scene3d>
+      <a:camera prst="orthographicFront"/>
+      <a:lightRig rig="threePt" dir="t"/>
+    </dgm:scene3d>
+    <dgm:sp3d/>
+    <dgm:txPr/>
+    <dgm:style>
+      <a:lnRef idx="2">
+        <a:scrgbClr r="0" g="0" b="0"/>
+      </a:lnRef>
+      <a:fillRef idx="1">
+        <a:scrgbClr r="0" g="0" b="0"/>
+      </a:fillRef>
+      <a:effectRef idx="0">
+        <a:scrgbClr r="0" g="0" b="0"/>
+      </a:effectRef>
+      <a:fontRef idx="minor"/>
+    </dgm:style>
+  </dgm:styleLbl>
+  <dgm:styleLbl name="revTx">
+    <dgm:scene3d>
+      <a:camera prst="orthographicFront"/>
+      <a:lightRig rig="threePt" dir="t"/>
+    </dgm:scene3d>
+    <dgm:sp3d/>
+    <dgm:txPr/>
+    <dgm:style>
+      <a:lnRef idx="0">
+        <a:scrgbClr r="0" g="0" b="0"/>
+      </a:lnRef>
+      <a:fillRef idx="0">
+        <a:scrgbClr r="0" g="0" b="0"/>
+      </a:fillRef>
+      <a:effectRef idx="0">
+        <a:scrgbClr r="0" g="0" b="0"/>
+      </a:effectRef>
+      <a:fontRef idx="minor"/>
+    </dgm:style>
+  </dgm:styleLbl>
+</dgm:styleDef>
+</file>
+
+<file path=ppt/diagrams/quickStyle3.xml><?xml version="1.0" encoding="utf-8"?>
 <dgm:styleDef xmlns:dgm="http://schemas.openxmlformats.org/drawingml/2006/diagram" xmlns:a="http://schemas.openxmlformats.org/drawingml/2006/main" uniqueId="urn:microsoft.com/office/officeart/2005/8/quickstyle/simple1">
   <dgm:title val=""/>
   <dgm:desc val=""/>
@@ -5682,7 +8576,7 @@
           <a:p>
             <a:fld id="{9E1C622F-B489-469A-86D2-5AE1D727ABDE}" type="datetimeFigureOut">
               <a:rPr lang="en-US" smtClean="0"/>
-              <a:t>9/9/2023</a:t>
+              <a:t>9/10/2023</a:t>
             </a:fld>
             <a:endParaRPr lang="en-US"/>
           </a:p>
@@ -6099,7 +8993,7 @@
           <a:p>
             <a:fld id="{AF7FF687-9D03-46CD-9930-0CDF6B6F5315}" type="datetimeFigureOut">
               <a:rPr lang="en-US" smtClean="0"/>
-              <a:t>9/9/2023</a:t>
+              <a:t>9/10/2023</a:t>
             </a:fld>
             <a:endParaRPr lang="en-US"/>
           </a:p>
@@ -6299,7 +9193,7 @@
           <a:p>
             <a:fld id="{AF7FF687-9D03-46CD-9930-0CDF6B6F5315}" type="datetimeFigureOut">
               <a:rPr lang="en-US" smtClean="0"/>
-              <a:t>9/9/2023</a:t>
+              <a:t>9/10/2023</a:t>
             </a:fld>
             <a:endParaRPr lang="en-US"/>
           </a:p>
@@ -6509,7 +9403,7 @@
           <a:p>
             <a:fld id="{AF7FF687-9D03-46CD-9930-0CDF6B6F5315}" type="datetimeFigureOut">
               <a:rPr lang="en-US" smtClean="0"/>
-              <a:t>9/9/2023</a:t>
+              <a:t>9/10/2023</a:t>
             </a:fld>
             <a:endParaRPr lang="en-US"/>
           </a:p>
@@ -6709,7 +9603,7 @@
           <a:p>
             <a:fld id="{AF7FF687-9D03-46CD-9930-0CDF6B6F5315}" type="datetimeFigureOut">
               <a:rPr lang="en-US" smtClean="0"/>
-              <a:t>9/9/2023</a:t>
+              <a:t>9/10/2023</a:t>
             </a:fld>
             <a:endParaRPr lang="en-US"/>
           </a:p>
@@ -6985,7 +9879,7 @@
           <a:p>
             <a:fld id="{AF7FF687-9D03-46CD-9930-0CDF6B6F5315}" type="datetimeFigureOut">
               <a:rPr lang="en-US" smtClean="0"/>
-              <a:t>9/9/2023</a:t>
+              <a:t>9/10/2023</a:t>
             </a:fld>
             <a:endParaRPr lang="en-US"/>
           </a:p>
@@ -7253,7 +10147,7 @@
           <a:p>
             <a:fld id="{AF7FF687-9D03-46CD-9930-0CDF6B6F5315}" type="datetimeFigureOut">
               <a:rPr lang="en-US" smtClean="0"/>
-              <a:t>9/9/2023</a:t>
+              <a:t>9/10/2023</a:t>
             </a:fld>
             <a:endParaRPr lang="en-US"/>
           </a:p>
@@ -7668,7 +10562,7 @@
           <a:p>
             <a:fld id="{AF7FF687-9D03-46CD-9930-0CDF6B6F5315}" type="datetimeFigureOut">
               <a:rPr lang="en-US" smtClean="0"/>
-              <a:t>9/9/2023</a:t>
+              <a:t>9/10/2023</a:t>
             </a:fld>
             <a:endParaRPr lang="en-US"/>
           </a:p>
@@ -7810,7 +10704,7 @@
           <a:p>
             <a:fld id="{AF7FF687-9D03-46CD-9930-0CDF6B6F5315}" type="datetimeFigureOut">
               <a:rPr lang="en-US" smtClean="0"/>
-              <a:t>9/9/2023</a:t>
+              <a:t>9/10/2023</a:t>
             </a:fld>
             <a:endParaRPr lang="en-US"/>
           </a:p>
@@ -7923,7 +10817,7 @@
           <a:p>
             <a:fld id="{AF7FF687-9D03-46CD-9930-0CDF6B6F5315}" type="datetimeFigureOut">
               <a:rPr lang="en-US" smtClean="0"/>
-              <a:t>9/9/2023</a:t>
+              <a:t>9/10/2023</a:t>
             </a:fld>
             <a:endParaRPr lang="en-US"/>
           </a:p>
@@ -8236,7 +11130,7 @@
           <a:p>
             <a:fld id="{AF7FF687-9D03-46CD-9930-0CDF6B6F5315}" type="datetimeFigureOut">
               <a:rPr lang="en-US" smtClean="0"/>
-              <a:t>9/9/2023</a:t>
+              <a:t>9/10/2023</a:t>
             </a:fld>
             <a:endParaRPr lang="en-US"/>
           </a:p>
@@ -8525,7 +11419,7 @@
           <a:p>
             <a:fld id="{AF7FF687-9D03-46CD-9930-0CDF6B6F5315}" type="datetimeFigureOut">
               <a:rPr lang="en-US" smtClean="0"/>
-              <a:t>9/9/2023</a:t>
+              <a:t>9/10/2023</a:t>
             </a:fld>
             <a:endParaRPr lang="en-US"/>
           </a:p>
@@ -8768,7 +11662,7 @@
           <a:p>
             <a:fld id="{AF7FF687-9D03-46CD-9930-0CDF6B6F5315}" type="datetimeFigureOut">
               <a:rPr lang="en-US" smtClean="0"/>
-              <a:t>9/9/2023</a:t>
+              <a:t>9/10/2023</a:t>
             </a:fld>
             <a:endParaRPr lang="en-US"/>
           </a:p>
@@ -9294,14 +12188,55 @@
   <p:clrMapOvr>
     <a:masterClrMapping/>
   </p:clrMapOvr>
-  <mc:AlternateContent xmlns:mc="http://schemas.openxmlformats.org/markup-compatibility/2006">
-    <mc:Choice xmlns:p14="http://schemas.microsoft.com/office/powerpoint/2010/main" Requires="p14">
+  <mc:AlternateContent xmlns:mc="http://schemas.openxmlformats.org/markup-compatibility/2006" xmlns:p14="http://schemas.microsoft.com/office/powerpoint/2010/main">
+    <mc:Choice Requires="p14">
       <p:transition p14:dur="10"/>
     </mc:Choice>
-    <mc:Fallback>
+    <mc:Fallback xmlns="">
       <p:transition/>
     </mc:Fallback>
   </mc:AlternateContent>
+</p:sld>
+</file>
+
+<file path=ppt/slides/slide10.xml><?xml version="1.0" encoding="utf-8"?>
+<p:sld xmlns:a="http://schemas.openxmlformats.org/drawingml/2006/main" xmlns:r="http://schemas.openxmlformats.org/officeDocument/2006/relationships" xmlns:p="http://schemas.openxmlformats.org/presentationml/2006/main">
+  <p:cSld>
+    <p:bg>
+      <p:bgPr>
+        <a:blipFill>
+          <a:blip r:embed="rId2"/>
+          <a:stretch>
+            <a:fillRect/>
+          </a:stretch>
+        </a:blipFill>
+        <a:effectLst/>
+      </p:bgPr>
+    </p:bg>
+    <p:spTree>
+      <p:nvGrpSpPr>
+        <p:cNvPr id="1" name=""/>
+        <p:cNvGrpSpPr/>
+        <p:nvPr/>
+      </p:nvGrpSpPr>
+      <p:grpSpPr>
+        <a:xfrm>
+          <a:off x="0" y="0"/>
+          <a:ext cx="0" cy="0"/>
+          <a:chOff x="0" y="0"/>
+          <a:chExt cx="0" cy="0"/>
+        </a:xfrm>
+      </p:grpSpPr>
+    </p:spTree>
+    <p:extLst>
+      <p:ext uri="{BB962C8B-B14F-4D97-AF65-F5344CB8AC3E}">
+        <p14:creationId xmlns:p14="http://schemas.microsoft.com/office/powerpoint/2010/main" val="1162540634"/>
+      </p:ext>
+    </p:extLst>
+  </p:cSld>
+  <p:clrMapOvr>
+    <a:masterClrMapping/>
+  </p:clrMapOvr>
 </p:sld>
 </file>
 
@@ -10716,8 +13651,226 @@
   <p:cSld>
     <p:bg>
       <p:bgPr>
+        <a:blipFill dpi="0" rotWithShape="1">
+          <a:blip r:embed="rId2">
+            <a:lum/>
+          </a:blip>
+          <a:srcRect/>
+          <a:stretch>
+            <a:fillRect t="-9000" b="-9000"/>
+          </a:stretch>
+        </a:blipFill>
+        <a:effectLst/>
+      </p:bgPr>
+    </p:bg>
+    <p:spTree>
+      <p:nvGrpSpPr>
+        <p:cNvPr id="1" name=""/>
+        <p:cNvGrpSpPr/>
+        <p:nvPr/>
+      </p:nvGrpSpPr>
+      <p:grpSpPr>
+        <a:xfrm>
+          <a:off x="0" y="0"/>
+          <a:ext cx="0" cy="0"/>
+          <a:chOff x="0" y="0"/>
+          <a:chExt cx="0" cy="0"/>
+        </a:xfrm>
+      </p:grpSpPr>
+      <p:sp>
+        <p:nvSpPr>
+          <p:cNvPr id="2" name="TextBox 1">
+            <a:extLst>
+              <a:ext uri="{FF2B5EF4-FFF2-40B4-BE49-F238E27FC236}">
+                <a16:creationId xmlns:a16="http://schemas.microsoft.com/office/drawing/2014/main" id="{D1A67447-EFE8-E422-60C7-62625961E2E1}"/>
+              </a:ext>
+            </a:extLst>
+          </p:cNvPr>
+          <p:cNvSpPr txBox="1"/>
+          <p:nvPr/>
+        </p:nvSpPr>
+        <p:spPr>
+          <a:xfrm>
+            <a:off x="5795962" y="223351"/>
+            <a:ext cx="3112583" cy="584775"/>
+          </a:xfrm>
+          <a:prstGeom prst="rect">
+            <a:avLst/>
+          </a:prstGeom>
+          <a:noFill/>
+        </p:spPr>
+        <p:txBody>
+          <a:bodyPr wrap="none" rtlCol="0">
+            <a:spAutoFit/>
+          </a:bodyPr>
+          <a:lstStyle/>
+          <a:p>
+            <a:r>
+              <a:rPr lang="en-US" sz="3200" b="1" u="sng" dirty="0">
+                <a:solidFill>
+                  <a:srgbClr val="203214"/>
+                </a:solidFill>
+                <a:effectLst>
+                  <a:outerShdw blurRad="38100" dist="38100" dir="2700000" algn="tl">
+                    <a:srgbClr val="000000">
+                      <a:alpha val="43137"/>
+                    </a:srgbClr>
+                  </a:outerShdw>
+                </a:effectLst>
+              </a:rPr>
+              <a:t>Project Overview</a:t>
+            </a:r>
+          </a:p>
+        </p:txBody>
+      </p:sp>
+      <p:sp>
+        <p:nvSpPr>
+          <p:cNvPr id="3" name="TextBox 2">
+            <a:extLst>
+              <a:ext uri="{FF2B5EF4-FFF2-40B4-BE49-F238E27FC236}">
+                <a16:creationId xmlns:a16="http://schemas.microsoft.com/office/drawing/2014/main" id="{1342C093-CD17-4B25-B7C6-C3BAC3EB0AB5}"/>
+              </a:ext>
+            </a:extLst>
+          </p:cNvPr>
+          <p:cNvSpPr txBox="1"/>
+          <p:nvPr/>
+        </p:nvSpPr>
+        <p:spPr>
+          <a:xfrm>
+            <a:off x="172692" y="1776205"/>
+            <a:ext cx="4106533" cy="4401205"/>
+          </a:xfrm>
+          <a:prstGeom prst="rect">
+            <a:avLst/>
+          </a:prstGeom>
+          <a:noFill/>
+        </p:spPr>
+        <p:txBody>
+          <a:bodyPr wrap="square" rtlCol="0">
+            <a:spAutoFit/>
+          </a:bodyPr>
+          <a:lstStyle/>
+          <a:p>
+            <a:pPr marL="457200" indent="-457200">
+              <a:buFont typeface="Wingdings" panose="05000000000000000000" pitchFamily="2" charset="2"/>
+              <a:buChar char="q"/>
+            </a:pPr>
+            <a:r>
+              <a:rPr lang="en-US" sz="2800" b="1" dirty="0">
+                <a:solidFill>
+                  <a:schemeClr val="accent6">
+                    <a:lumMod val="60000"/>
+                    <a:lumOff val="40000"/>
+                  </a:schemeClr>
+                </a:solidFill>
+              </a:rPr>
+              <a:t>Input a Rubik’s Cube via 2D representation.</a:t>
+            </a:r>
+          </a:p>
+          <a:p>
+            <a:pPr marL="457200" indent="-457200">
+              <a:buFont typeface="Wingdings" panose="05000000000000000000" pitchFamily="2" charset="2"/>
+              <a:buChar char="q"/>
+            </a:pPr>
+            <a:endParaRPr lang="en-US" sz="2800" b="1" dirty="0">
+              <a:solidFill>
+                <a:schemeClr val="accent6">
+                  <a:lumMod val="60000"/>
+                  <a:lumOff val="40000"/>
+                </a:schemeClr>
+              </a:solidFill>
+            </a:endParaRPr>
+          </a:p>
+          <a:p>
+            <a:pPr marL="457200" indent="-457200">
+              <a:buFont typeface="Wingdings" panose="05000000000000000000" pitchFamily="2" charset="2"/>
+              <a:buChar char="q"/>
+            </a:pPr>
+            <a:r>
+              <a:rPr lang="en-US" sz="2800" b="1" dirty="0">
+                <a:solidFill>
+                  <a:schemeClr val="accent6">
+                    <a:lumMod val="60000"/>
+                    <a:lumOff val="40000"/>
+                  </a:schemeClr>
+                </a:solidFill>
+              </a:rPr>
+              <a:t>Solve it using Layer by Layer method.</a:t>
+            </a:r>
+          </a:p>
+          <a:p>
+            <a:pPr marL="457200" indent="-457200">
+              <a:buFont typeface="Wingdings" panose="05000000000000000000" pitchFamily="2" charset="2"/>
+              <a:buChar char="q"/>
+            </a:pPr>
+            <a:endParaRPr lang="en-US" sz="2800" b="1" dirty="0">
+              <a:solidFill>
+                <a:schemeClr val="accent6">
+                  <a:lumMod val="60000"/>
+                  <a:lumOff val="40000"/>
+                </a:schemeClr>
+              </a:solidFill>
+            </a:endParaRPr>
+          </a:p>
+          <a:p>
+            <a:pPr marL="457200" indent="-457200">
+              <a:buFont typeface="Wingdings" panose="05000000000000000000" pitchFamily="2" charset="2"/>
+              <a:buChar char="q"/>
+            </a:pPr>
+            <a:r>
+              <a:rPr lang="en-US" sz="2800" b="1" dirty="0">
+                <a:solidFill>
+                  <a:schemeClr val="accent6">
+                    <a:lumMod val="60000"/>
+                    <a:lumOff val="40000"/>
+                  </a:schemeClr>
+                </a:solidFill>
+              </a:rPr>
+              <a:t>Print out the move sets so that user can also solve it in real life.</a:t>
+            </a:r>
+          </a:p>
+          <a:p>
+            <a:pPr marL="457200" indent="-457200">
+              <a:buFont typeface="Wingdings" panose="05000000000000000000" pitchFamily="2" charset="2"/>
+              <a:buChar char="q"/>
+            </a:pPr>
+            <a:endParaRPr lang="en-US" sz="2800" b="1" dirty="0">
+              <a:solidFill>
+                <a:schemeClr val="accent6">
+                  <a:lumMod val="20000"/>
+                  <a:lumOff val="80000"/>
+                </a:schemeClr>
+              </a:solidFill>
+            </a:endParaRPr>
+          </a:p>
+        </p:txBody>
+      </p:sp>
+    </p:spTree>
+    <p:extLst>
+      <p:ext uri="{BB962C8B-B14F-4D97-AF65-F5344CB8AC3E}">
+        <p14:creationId xmlns:p14="http://schemas.microsoft.com/office/powerpoint/2010/main" val="540107048"/>
+      </p:ext>
+    </p:extLst>
+  </p:cSld>
+  <p:clrMapOvr>
+    <a:masterClrMapping/>
+  </p:clrMapOvr>
+  <p:transition spd="slow">
+    <p:push dir="u"/>
+  </p:transition>
+</p:sld>
+</file>
+
+<file path=ppt/slides/slide4.xml><?xml version="1.0" encoding="utf-8"?>
+<p:sld xmlns:a="http://schemas.openxmlformats.org/drawingml/2006/main" xmlns:r="http://schemas.openxmlformats.org/officeDocument/2006/relationships" xmlns:p="http://schemas.openxmlformats.org/presentationml/2006/main">
+  <p:cSld>
+    <p:bg>
+      <p:bgPr>
         <a:solidFill>
-          <a:schemeClr val="accent6"/>
+          <a:schemeClr val="accent4">
+            <a:lumMod val="40000"/>
+            <a:lumOff val="60000"/>
+          </a:schemeClr>
         </a:solidFill>
         <a:effectLst/>
       </p:bgPr>
@@ -10767,10 +13920,7 @@
             <a:r>
               <a:rPr lang="en-US" sz="3200" b="1" u="sng" dirty="0">
                 <a:solidFill>
-                  <a:schemeClr val="accent6">
-                    <a:lumMod val="20000"/>
-                    <a:lumOff val="80000"/>
-                  </a:schemeClr>
+                  <a:srgbClr val="002060"/>
                 </a:solidFill>
                 <a:effectLst>
                   <a:outerShdw blurRad="38100" dist="38100" dir="2700000" algn="tl">
@@ -10798,7 +13948,7 @@
           <p:nvPr>
             <p:extLst>
               <p:ext uri="{D42A27DB-BD31-4B8C-83A1-F6EECF244321}">
-                <p14:modId xmlns:p14="http://schemas.microsoft.com/office/powerpoint/2010/main" val="35638011"/>
+                <p14:modId xmlns:p14="http://schemas.microsoft.com/office/powerpoint/2010/main" val="628465195"/>
               </p:ext>
             </p:extLst>
           </p:nvPr>
@@ -11424,179 +14574,7 @@
 </p:sld>
 </file>
 
-<file path=ppt/slides/slide4.xml><?xml version="1.0" encoding="utf-8"?>
-<p:sld xmlns:a="http://schemas.openxmlformats.org/drawingml/2006/main" xmlns:r="http://schemas.openxmlformats.org/officeDocument/2006/relationships" xmlns:p="http://schemas.openxmlformats.org/presentationml/2006/main">
-  <p:cSld>
-    <p:bg>
-      <p:bgPr>
-        <a:blipFill dpi="0" rotWithShape="1">
-          <a:blip r:embed="rId2">
-            <a:lum/>
-          </a:blip>
-          <a:srcRect/>
-          <a:stretch>
-            <a:fillRect t="-9000" b="-9000"/>
-          </a:stretch>
-        </a:blipFill>
-        <a:effectLst/>
-      </p:bgPr>
-    </p:bg>
-    <p:spTree>
-      <p:nvGrpSpPr>
-        <p:cNvPr id="1" name=""/>
-        <p:cNvGrpSpPr/>
-        <p:nvPr/>
-      </p:nvGrpSpPr>
-      <p:grpSpPr>
-        <a:xfrm>
-          <a:off x="0" y="0"/>
-          <a:ext cx="0" cy="0"/>
-          <a:chOff x="0" y="0"/>
-          <a:chExt cx="0" cy="0"/>
-        </a:xfrm>
-      </p:grpSpPr>
-      <p:sp>
-        <p:nvSpPr>
-          <p:cNvPr id="2" name="TextBox 1">
-            <a:extLst>
-              <a:ext uri="{FF2B5EF4-FFF2-40B4-BE49-F238E27FC236}">
-                <a16:creationId xmlns:a16="http://schemas.microsoft.com/office/drawing/2014/main" id="{D1A67447-EFE8-E422-60C7-62625961E2E1}"/>
-              </a:ext>
-            </a:extLst>
-          </p:cNvPr>
-          <p:cNvSpPr txBox="1"/>
-          <p:nvPr/>
-        </p:nvSpPr>
-        <p:spPr>
-          <a:xfrm>
-            <a:off x="5829316" y="251926"/>
-            <a:ext cx="3112583" cy="584775"/>
-          </a:xfrm>
-          <a:prstGeom prst="rect">
-            <a:avLst/>
-          </a:prstGeom>
-          <a:noFill/>
-        </p:spPr>
-        <p:txBody>
-          <a:bodyPr wrap="none" rtlCol="0">
-            <a:spAutoFit/>
-          </a:bodyPr>
-          <a:lstStyle/>
-          <a:p>
-            <a:r>
-              <a:rPr lang="en-US" sz="3200" b="1" u="sng" dirty="0">
-                <a:solidFill>
-                  <a:schemeClr val="accent6">
-                    <a:lumMod val="50000"/>
-                  </a:schemeClr>
-                </a:solidFill>
-                <a:effectLst>
-                  <a:outerShdw blurRad="38100" dist="38100" dir="2700000" algn="tl">
-                    <a:srgbClr val="000000">
-                      <a:alpha val="43137"/>
-                    </a:srgbClr>
-                  </a:outerShdw>
-                </a:effectLst>
-              </a:rPr>
-              <a:t>Project Overview</a:t>
-            </a:r>
-          </a:p>
-        </p:txBody>
-      </p:sp>
-    </p:spTree>
-    <p:extLst>
-      <p:ext uri="{BB962C8B-B14F-4D97-AF65-F5344CB8AC3E}">
-        <p14:creationId xmlns:p14="http://schemas.microsoft.com/office/powerpoint/2010/main" val="540107048"/>
-      </p:ext>
-    </p:extLst>
-  </p:cSld>
-  <p:clrMapOvr>
-    <a:masterClrMapping/>
-  </p:clrMapOvr>
-</p:sld>
-</file>
-
 <file path=ppt/slides/slide5.xml><?xml version="1.0" encoding="utf-8"?>
-<p:sld xmlns:a="http://schemas.openxmlformats.org/drawingml/2006/main" xmlns:r="http://schemas.openxmlformats.org/officeDocument/2006/relationships" xmlns:p="http://schemas.openxmlformats.org/presentationml/2006/main">
-  <p:cSld>
-    <p:bg>
-      <p:bgPr>
-        <a:solidFill>
-          <a:srgbClr val="FF5050"/>
-        </a:solidFill>
-        <a:effectLst/>
-      </p:bgPr>
-    </p:bg>
-    <p:spTree>
-      <p:nvGrpSpPr>
-        <p:cNvPr id="1" name=""/>
-        <p:cNvGrpSpPr/>
-        <p:nvPr/>
-      </p:nvGrpSpPr>
-      <p:grpSpPr>
-        <a:xfrm>
-          <a:off x="0" y="0"/>
-          <a:ext cx="0" cy="0"/>
-          <a:chOff x="0" y="0"/>
-          <a:chExt cx="0" cy="0"/>
-        </a:xfrm>
-      </p:grpSpPr>
-      <p:sp>
-        <p:nvSpPr>
-          <p:cNvPr id="2" name="TextBox 1">
-            <a:extLst>
-              <a:ext uri="{FF2B5EF4-FFF2-40B4-BE49-F238E27FC236}">
-                <a16:creationId xmlns:a16="http://schemas.microsoft.com/office/drawing/2014/main" id="{22C871F0-B30D-8B02-8241-DF303C1DC3BF}"/>
-              </a:ext>
-            </a:extLst>
-          </p:cNvPr>
-          <p:cNvSpPr txBox="1"/>
-          <p:nvPr/>
-        </p:nvSpPr>
-        <p:spPr>
-          <a:xfrm>
-            <a:off x="4558463" y="354563"/>
-            <a:ext cx="3160417" cy="584775"/>
-          </a:xfrm>
-          <a:prstGeom prst="rect">
-            <a:avLst/>
-          </a:prstGeom>
-          <a:noFill/>
-        </p:spPr>
-        <p:txBody>
-          <a:bodyPr wrap="none" rtlCol="0">
-            <a:spAutoFit/>
-          </a:bodyPr>
-          <a:lstStyle/>
-          <a:p>
-            <a:r>
-              <a:rPr lang="en-US" sz="3200" b="1" u="sng" dirty="0">
-                <a:solidFill>
-                  <a:schemeClr val="accent6">
-                    <a:lumMod val="20000"/>
-                    <a:lumOff val="80000"/>
-                  </a:schemeClr>
-                </a:solidFill>
-              </a:rPr>
-              <a:t>Project Workflow</a:t>
-            </a:r>
-          </a:p>
-        </p:txBody>
-      </p:sp>
-    </p:spTree>
-    <p:extLst>
-      <p:ext uri="{BB962C8B-B14F-4D97-AF65-F5344CB8AC3E}">
-        <p14:creationId xmlns:p14="http://schemas.microsoft.com/office/powerpoint/2010/main" val="1115692452"/>
-      </p:ext>
-    </p:extLst>
-  </p:cSld>
-  <p:clrMapOvr>
-    <a:masterClrMapping/>
-  </p:clrMapOvr>
-</p:sld>
-</file>
-
-<file path=ppt/slides/slide6.xml><?xml version="1.0" encoding="utf-8"?>
 <p:sld xmlns:a="http://schemas.openxmlformats.org/drawingml/2006/main" xmlns:r="http://schemas.openxmlformats.org/officeDocument/2006/relationships" xmlns:p="http://schemas.openxmlformats.org/presentationml/2006/main">
   <p:cSld>
     <p:bg>
@@ -11640,7 +14618,7 @@
           <p:nvPr>
             <p:extLst>
               <p:ext uri="{D42A27DB-BD31-4B8C-83A1-F6EECF244321}">
-                <p14:modId xmlns:p14="http://schemas.microsoft.com/office/powerpoint/2010/main" val="3566927373"/>
+                <p14:modId xmlns:p14="http://schemas.microsoft.com/office/powerpoint/2010/main" val="3327033161"/>
               </p:ext>
             </p:extLst>
           </p:nvPr>
@@ -12029,6 +15007,643 @@
 </p:sld>
 </file>
 
+<file path=ppt/slides/slide6.xml><?xml version="1.0" encoding="utf-8"?>
+<p:sld xmlns:a="http://schemas.openxmlformats.org/drawingml/2006/main" xmlns:r="http://schemas.openxmlformats.org/officeDocument/2006/relationships" xmlns:p="http://schemas.openxmlformats.org/presentationml/2006/main">
+  <p:cSld>
+    <p:bg>
+      <p:bgPr>
+        <a:solidFill>
+          <a:srgbClr val="FF5050"/>
+        </a:solidFill>
+        <a:effectLst/>
+      </p:bgPr>
+    </p:bg>
+    <p:spTree>
+      <p:nvGrpSpPr>
+        <p:cNvPr id="1" name=""/>
+        <p:cNvGrpSpPr/>
+        <p:nvPr/>
+      </p:nvGrpSpPr>
+      <p:grpSpPr>
+        <a:xfrm>
+          <a:off x="0" y="0"/>
+          <a:ext cx="0" cy="0"/>
+          <a:chOff x="0" y="0"/>
+          <a:chExt cx="0" cy="0"/>
+        </a:xfrm>
+      </p:grpSpPr>
+      <p:sp>
+        <p:nvSpPr>
+          <p:cNvPr id="2" name="TextBox 1">
+            <a:extLst>
+              <a:ext uri="{FF2B5EF4-FFF2-40B4-BE49-F238E27FC236}">
+                <a16:creationId xmlns:a16="http://schemas.microsoft.com/office/drawing/2014/main" id="{22C871F0-B30D-8B02-8241-DF303C1DC3BF}"/>
+              </a:ext>
+            </a:extLst>
+          </p:cNvPr>
+          <p:cNvSpPr txBox="1"/>
+          <p:nvPr/>
+        </p:nvSpPr>
+        <p:spPr>
+          <a:xfrm>
+            <a:off x="4558463" y="354563"/>
+            <a:ext cx="3160417" cy="584775"/>
+          </a:xfrm>
+          <a:prstGeom prst="rect">
+            <a:avLst/>
+          </a:prstGeom>
+          <a:noFill/>
+        </p:spPr>
+        <p:txBody>
+          <a:bodyPr wrap="none" rtlCol="0">
+            <a:spAutoFit/>
+          </a:bodyPr>
+          <a:lstStyle/>
+          <a:p>
+            <a:r>
+              <a:rPr lang="en-US" sz="3200" b="1" u="sng" dirty="0">
+                <a:solidFill>
+                  <a:schemeClr val="accent6">
+                    <a:lumMod val="20000"/>
+                    <a:lumOff val="80000"/>
+                  </a:schemeClr>
+                </a:solidFill>
+              </a:rPr>
+              <a:t>Project Workflow</a:t>
+            </a:r>
+          </a:p>
+        </p:txBody>
+      </p:sp>
+      <p:graphicFrame>
+        <p:nvGraphicFramePr>
+          <p:cNvPr id="4" name="Diagram 3">
+            <a:extLst>
+              <a:ext uri="{FF2B5EF4-FFF2-40B4-BE49-F238E27FC236}">
+                <a16:creationId xmlns:a16="http://schemas.microsoft.com/office/drawing/2014/main" id="{FC0B9CE0-3055-4DDE-A3DB-F8BFB191B3B8}"/>
+              </a:ext>
+            </a:extLst>
+          </p:cNvPr>
+          <p:cNvGraphicFramePr/>
+          <p:nvPr>
+            <p:extLst>
+              <p:ext uri="{D42A27DB-BD31-4B8C-83A1-F6EECF244321}">
+                <p14:modId xmlns:p14="http://schemas.microsoft.com/office/powerpoint/2010/main" val="3402409449"/>
+              </p:ext>
+            </p:extLst>
+          </p:nvPr>
+        </p:nvGraphicFramePr>
+        <p:xfrm>
+          <a:off x="2032000" y="1191153"/>
+          <a:ext cx="8128000" cy="5418667"/>
+        </p:xfrm>
+        <a:graphic>
+          <a:graphicData uri="http://schemas.openxmlformats.org/drawingml/2006/diagram">
+            <dgm:relIds xmlns:dgm="http://schemas.openxmlformats.org/drawingml/2006/diagram" xmlns:r="http://schemas.openxmlformats.org/officeDocument/2006/relationships" r:dm="rId2" r:lo="rId3" r:qs="rId4" r:cs="rId5"/>
+          </a:graphicData>
+        </a:graphic>
+      </p:graphicFrame>
+      <p:pic>
+        <p:nvPicPr>
+          <p:cNvPr id="6" name="Picture 5">
+            <a:extLst>
+              <a:ext uri="{FF2B5EF4-FFF2-40B4-BE49-F238E27FC236}">
+                <a16:creationId xmlns:a16="http://schemas.microsoft.com/office/drawing/2014/main" id="{77BD4D5B-F990-44CC-AE24-974A53166AEC}"/>
+              </a:ext>
+            </a:extLst>
+          </p:cNvPr>
+          <p:cNvPicPr>
+            <a:picLocks noChangeAspect="1"/>
+          </p:cNvPicPr>
+          <p:nvPr/>
+        </p:nvPicPr>
+        <p:blipFill>
+          <a:blip r:embed="rId7">
+            <a:extLst>
+              <a:ext uri="{28A0092B-C50C-407E-A947-70E740481C1C}">
+                <a14:useLocalDpi xmlns:a14="http://schemas.microsoft.com/office/drawing/2010/main" val="0"/>
+              </a:ext>
+            </a:extLst>
+          </a:blip>
+          <a:stretch>
+            <a:fillRect/>
+          </a:stretch>
+        </p:blipFill>
+        <p:spPr>
+          <a:xfrm>
+            <a:off x="280374" y="939338"/>
+            <a:ext cx="3503252" cy="3495536"/>
+          </a:xfrm>
+          <a:prstGeom prst="rect">
+            <a:avLst/>
+          </a:prstGeom>
+        </p:spPr>
+      </p:pic>
+      <p:sp>
+        <p:nvSpPr>
+          <p:cNvPr id="10" name="Arrow: Right 9">
+            <a:extLst>
+              <a:ext uri="{FF2B5EF4-FFF2-40B4-BE49-F238E27FC236}">
+                <a16:creationId xmlns:a16="http://schemas.microsoft.com/office/drawing/2014/main" id="{B9294138-391C-48D0-BB5B-42760E9CC925}"/>
+              </a:ext>
+            </a:extLst>
+          </p:cNvPr>
+          <p:cNvSpPr/>
+          <p:nvPr/>
+        </p:nvSpPr>
+        <p:spPr>
+          <a:xfrm>
+            <a:off x="4086600" y="2802134"/>
+            <a:ext cx="943725" cy="614362"/>
+          </a:xfrm>
+          <a:prstGeom prst="rightArrow">
+            <a:avLst/>
+          </a:prstGeom>
+        </p:spPr>
+        <p:style>
+          <a:lnRef idx="2">
+            <a:schemeClr val="accent1">
+              <a:shade val="50000"/>
+            </a:schemeClr>
+          </a:lnRef>
+          <a:fillRef idx="1">
+            <a:schemeClr val="accent1"/>
+          </a:fillRef>
+          <a:effectRef idx="0">
+            <a:schemeClr val="accent1"/>
+          </a:effectRef>
+          <a:fontRef idx="minor">
+            <a:schemeClr val="lt1"/>
+          </a:fontRef>
+        </p:style>
+        <p:txBody>
+          <a:bodyPr rtlCol="0" anchor="ctr"/>
+          <a:lstStyle/>
+          <a:p>
+            <a:pPr algn="ctr"/>
+            <a:endParaRPr lang="en-US"/>
+          </a:p>
+        </p:txBody>
+      </p:sp>
+      <p:pic>
+        <p:nvPicPr>
+          <p:cNvPr id="14" name="Picture 13">
+            <a:extLst>
+              <a:ext uri="{FF2B5EF4-FFF2-40B4-BE49-F238E27FC236}">
+                <a16:creationId xmlns:a16="http://schemas.microsoft.com/office/drawing/2014/main" id="{DAA2084C-AC97-43F3-8E37-BB54372BDAF1}"/>
+              </a:ext>
+            </a:extLst>
+          </p:cNvPr>
+          <p:cNvPicPr>
+            <a:picLocks noChangeAspect="1"/>
+          </p:cNvPicPr>
+          <p:nvPr/>
+        </p:nvPicPr>
+        <p:blipFill>
+          <a:blip r:embed="rId8">
+            <a:extLst>
+              <a:ext uri="{28A0092B-C50C-407E-A947-70E740481C1C}">
+                <a14:useLocalDpi xmlns:a14="http://schemas.microsoft.com/office/drawing/2010/main" val="0"/>
+              </a:ext>
+            </a:extLst>
+          </a:blip>
+          <a:stretch>
+            <a:fillRect/>
+          </a:stretch>
+        </p:blipFill>
+        <p:spPr>
+          <a:xfrm>
+            <a:off x="8674991" y="3639803"/>
+            <a:ext cx="2970017" cy="2970017"/>
+          </a:xfrm>
+          <a:prstGeom prst="rect">
+            <a:avLst/>
+          </a:prstGeom>
+        </p:spPr>
+      </p:pic>
+      <p:sp>
+        <p:nvSpPr>
+          <p:cNvPr id="15" name="Arrow: Left 14">
+            <a:extLst>
+              <a:ext uri="{FF2B5EF4-FFF2-40B4-BE49-F238E27FC236}">
+                <a16:creationId xmlns:a16="http://schemas.microsoft.com/office/drawing/2014/main" id="{A01B94D1-6940-4CEA-8C85-3C1AE0B93288}"/>
+              </a:ext>
+            </a:extLst>
+          </p:cNvPr>
+          <p:cNvSpPr/>
+          <p:nvPr/>
+        </p:nvSpPr>
+        <p:spPr>
+          <a:xfrm>
+            <a:off x="7493793" y="4434873"/>
+            <a:ext cx="1181198" cy="565751"/>
+          </a:xfrm>
+          <a:prstGeom prst="leftArrow">
+            <a:avLst/>
+          </a:prstGeom>
+        </p:spPr>
+        <p:style>
+          <a:lnRef idx="2">
+            <a:schemeClr val="accent1">
+              <a:shade val="50000"/>
+            </a:schemeClr>
+          </a:lnRef>
+          <a:fillRef idx="1">
+            <a:schemeClr val="accent1"/>
+          </a:fillRef>
+          <a:effectRef idx="0">
+            <a:schemeClr val="accent1"/>
+          </a:effectRef>
+          <a:fontRef idx="minor">
+            <a:schemeClr val="lt1"/>
+          </a:fontRef>
+        </p:style>
+        <p:txBody>
+          <a:bodyPr rtlCol="0" anchor="ctr"/>
+          <a:lstStyle/>
+          <a:p>
+            <a:pPr algn="ctr"/>
+            <a:endParaRPr lang="en-US"/>
+          </a:p>
+        </p:txBody>
+      </p:sp>
+    </p:spTree>
+    <p:extLst>
+      <p:ext uri="{BB962C8B-B14F-4D97-AF65-F5344CB8AC3E}">
+        <p14:creationId xmlns:p14="http://schemas.microsoft.com/office/powerpoint/2010/main" val="1115692452"/>
+      </p:ext>
+    </p:extLst>
+  </p:cSld>
+  <p:clrMapOvr>
+    <a:masterClrMapping/>
+  </p:clrMapOvr>
+  <p:transition spd="slow">
+    <p:push dir="u"/>
+  </p:transition>
+  <p:timing>
+    <p:tnLst>
+      <p:par>
+        <p:cTn id="1" dur="indefinite" restart="never" nodeType="tmRoot">
+          <p:childTnLst>
+            <p:seq concurrent="1" nextAc="seek">
+              <p:cTn id="2" dur="indefinite" nodeType="mainSeq">
+                <p:childTnLst>
+                  <p:par>
+                    <p:cTn id="3" fill="hold">
+                      <p:stCondLst>
+                        <p:cond delay="indefinite"/>
+                      </p:stCondLst>
+                      <p:childTnLst>
+                        <p:par>
+                          <p:cTn id="4" fill="hold">
+                            <p:stCondLst>
+                              <p:cond delay="0"/>
+                            </p:stCondLst>
+                            <p:childTnLst>
+                              <p:par>
+                                <p:cTn id="5" presetID="2" presetClass="entr" presetSubtype="4" fill="hold" nodeType="clickEffect">
+                                  <p:stCondLst>
+                                    <p:cond delay="0"/>
+                                  </p:stCondLst>
+                                  <p:childTnLst>
+                                    <p:set>
+                                      <p:cBhvr>
+                                        <p:cTn id="6" dur="1" fill="hold">
+                                          <p:stCondLst>
+                                            <p:cond delay="0"/>
+                                          </p:stCondLst>
+                                        </p:cTn>
+                                        <p:tgtEl>
+                                          <p:spTgt spid="6"/>
+                                        </p:tgtEl>
+                                        <p:attrNameLst>
+                                          <p:attrName>style.visibility</p:attrName>
+                                        </p:attrNameLst>
+                                      </p:cBhvr>
+                                      <p:to>
+                                        <p:strVal val="visible"/>
+                                      </p:to>
+                                    </p:set>
+                                    <p:anim calcmode="lin" valueType="num">
+                                      <p:cBhvr additive="base">
+                                        <p:cTn id="7" dur="500" fill="hold"/>
+                                        <p:tgtEl>
+                                          <p:spTgt spid="6"/>
+                                        </p:tgtEl>
+                                        <p:attrNameLst>
+                                          <p:attrName>ppt_x</p:attrName>
+                                        </p:attrNameLst>
+                                      </p:cBhvr>
+                                      <p:tavLst>
+                                        <p:tav tm="0">
+                                          <p:val>
+                                            <p:strVal val="#ppt_x"/>
+                                          </p:val>
+                                        </p:tav>
+                                        <p:tav tm="100000">
+                                          <p:val>
+                                            <p:strVal val="#ppt_x"/>
+                                          </p:val>
+                                        </p:tav>
+                                      </p:tavLst>
+                                    </p:anim>
+                                    <p:anim calcmode="lin" valueType="num">
+                                      <p:cBhvr additive="base">
+                                        <p:cTn id="8" dur="500" fill="hold"/>
+                                        <p:tgtEl>
+                                          <p:spTgt spid="6"/>
+                                        </p:tgtEl>
+                                        <p:attrNameLst>
+                                          <p:attrName>ppt_y</p:attrName>
+                                        </p:attrNameLst>
+                                      </p:cBhvr>
+                                      <p:tavLst>
+                                        <p:tav tm="0">
+                                          <p:val>
+                                            <p:strVal val="1+#ppt_h/2"/>
+                                          </p:val>
+                                        </p:tav>
+                                        <p:tav tm="100000">
+                                          <p:val>
+                                            <p:strVal val="#ppt_y"/>
+                                          </p:val>
+                                        </p:tav>
+                                      </p:tavLst>
+                                    </p:anim>
+                                  </p:childTnLst>
+                                </p:cTn>
+                              </p:par>
+                              <p:par>
+                                <p:cTn id="9" presetID="2" presetClass="entr" presetSubtype="4" fill="hold" grpId="0" nodeType="withEffect">
+                                  <p:stCondLst>
+                                    <p:cond delay="0"/>
+                                  </p:stCondLst>
+                                  <p:childTnLst>
+                                    <p:set>
+                                      <p:cBhvr>
+                                        <p:cTn id="10" dur="1" fill="hold">
+                                          <p:stCondLst>
+                                            <p:cond delay="0"/>
+                                          </p:stCondLst>
+                                        </p:cTn>
+                                        <p:tgtEl>
+                                          <p:spTgt spid="10"/>
+                                        </p:tgtEl>
+                                        <p:attrNameLst>
+                                          <p:attrName>style.visibility</p:attrName>
+                                        </p:attrNameLst>
+                                      </p:cBhvr>
+                                      <p:to>
+                                        <p:strVal val="visible"/>
+                                      </p:to>
+                                    </p:set>
+                                    <p:anim calcmode="lin" valueType="num">
+                                      <p:cBhvr additive="base">
+                                        <p:cTn id="11" dur="500" fill="hold"/>
+                                        <p:tgtEl>
+                                          <p:spTgt spid="10"/>
+                                        </p:tgtEl>
+                                        <p:attrNameLst>
+                                          <p:attrName>ppt_x</p:attrName>
+                                        </p:attrNameLst>
+                                      </p:cBhvr>
+                                      <p:tavLst>
+                                        <p:tav tm="0">
+                                          <p:val>
+                                            <p:strVal val="#ppt_x"/>
+                                          </p:val>
+                                        </p:tav>
+                                        <p:tav tm="100000">
+                                          <p:val>
+                                            <p:strVal val="#ppt_x"/>
+                                          </p:val>
+                                        </p:tav>
+                                      </p:tavLst>
+                                    </p:anim>
+                                    <p:anim calcmode="lin" valueType="num">
+                                      <p:cBhvr additive="base">
+                                        <p:cTn id="12" dur="500" fill="hold"/>
+                                        <p:tgtEl>
+                                          <p:spTgt spid="10"/>
+                                        </p:tgtEl>
+                                        <p:attrNameLst>
+                                          <p:attrName>ppt_y</p:attrName>
+                                        </p:attrNameLst>
+                                      </p:cBhvr>
+                                      <p:tavLst>
+                                        <p:tav tm="0">
+                                          <p:val>
+                                            <p:strVal val="1+#ppt_h/2"/>
+                                          </p:val>
+                                        </p:tav>
+                                        <p:tav tm="100000">
+                                          <p:val>
+                                            <p:strVal val="#ppt_y"/>
+                                          </p:val>
+                                        </p:tav>
+                                      </p:tavLst>
+                                    </p:anim>
+                                  </p:childTnLst>
+                                </p:cTn>
+                              </p:par>
+                            </p:childTnLst>
+                          </p:cTn>
+                        </p:par>
+                      </p:childTnLst>
+                    </p:cTn>
+                  </p:par>
+                  <p:par>
+                    <p:cTn id="13" fill="hold">
+                      <p:stCondLst>
+                        <p:cond delay="indefinite"/>
+                      </p:stCondLst>
+                      <p:childTnLst>
+                        <p:par>
+                          <p:cTn id="14" fill="hold">
+                            <p:stCondLst>
+                              <p:cond delay="0"/>
+                            </p:stCondLst>
+                            <p:childTnLst>
+                              <p:par>
+                                <p:cTn id="15" presetID="2" presetClass="entr" presetSubtype="4" fill="hold" nodeType="clickEffect">
+                                  <p:stCondLst>
+                                    <p:cond delay="0"/>
+                                  </p:stCondLst>
+                                  <p:childTnLst>
+                                    <p:set>
+                                      <p:cBhvr>
+                                        <p:cTn id="16" dur="1" fill="hold">
+                                          <p:stCondLst>
+                                            <p:cond delay="0"/>
+                                          </p:stCondLst>
+                                        </p:cTn>
+                                        <p:tgtEl>
+                                          <p:spTgt spid="14"/>
+                                        </p:tgtEl>
+                                        <p:attrNameLst>
+                                          <p:attrName>style.visibility</p:attrName>
+                                        </p:attrNameLst>
+                                      </p:cBhvr>
+                                      <p:to>
+                                        <p:strVal val="visible"/>
+                                      </p:to>
+                                    </p:set>
+                                    <p:anim calcmode="lin" valueType="num">
+                                      <p:cBhvr additive="base">
+                                        <p:cTn id="17" dur="500" fill="hold"/>
+                                        <p:tgtEl>
+                                          <p:spTgt spid="14"/>
+                                        </p:tgtEl>
+                                        <p:attrNameLst>
+                                          <p:attrName>ppt_x</p:attrName>
+                                        </p:attrNameLst>
+                                      </p:cBhvr>
+                                      <p:tavLst>
+                                        <p:tav tm="0">
+                                          <p:val>
+                                            <p:strVal val="#ppt_x"/>
+                                          </p:val>
+                                        </p:tav>
+                                        <p:tav tm="100000">
+                                          <p:val>
+                                            <p:strVal val="#ppt_x"/>
+                                          </p:val>
+                                        </p:tav>
+                                      </p:tavLst>
+                                    </p:anim>
+                                    <p:anim calcmode="lin" valueType="num">
+                                      <p:cBhvr additive="base">
+                                        <p:cTn id="18" dur="500" fill="hold"/>
+                                        <p:tgtEl>
+                                          <p:spTgt spid="14"/>
+                                        </p:tgtEl>
+                                        <p:attrNameLst>
+                                          <p:attrName>ppt_y</p:attrName>
+                                        </p:attrNameLst>
+                                      </p:cBhvr>
+                                      <p:tavLst>
+                                        <p:tav tm="0">
+                                          <p:val>
+                                            <p:strVal val="1+#ppt_h/2"/>
+                                          </p:val>
+                                        </p:tav>
+                                        <p:tav tm="100000">
+                                          <p:val>
+                                            <p:strVal val="#ppt_y"/>
+                                          </p:val>
+                                        </p:tav>
+                                      </p:tavLst>
+                                    </p:anim>
+                                  </p:childTnLst>
+                                </p:cTn>
+                              </p:par>
+                              <p:par>
+                                <p:cTn id="19" presetID="2" presetClass="entr" presetSubtype="4" fill="hold" grpId="0" nodeType="withEffect">
+                                  <p:stCondLst>
+                                    <p:cond delay="0"/>
+                                  </p:stCondLst>
+                                  <p:childTnLst>
+                                    <p:set>
+                                      <p:cBhvr>
+                                        <p:cTn id="20" dur="1" fill="hold">
+                                          <p:stCondLst>
+                                            <p:cond delay="0"/>
+                                          </p:stCondLst>
+                                        </p:cTn>
+                                        <p:tgtEl>
+                                          <p:spTgt spid="15"/>
+                                        </p:tgtEl>
+                                        <p:attrNameLst>
+                                          <p:attrName>style.visibility</p:attrName>
+                                        </p:attrNameLst>
+                                      </p:cBhvr>
+                                      <p:to>
+                                        <p:strVal val="visible"/>
+                                      </p:to>
+                                    </p:set>
+                                    <p:anim calcmode="lin" valueType="num">
+                                      <p:cBhvr additive="base">
+                                        <p:cTn id="21" dur="500" fill="hold"/>
+                                        <p:tgtEl>
+                                          <p:spTgt spid="15"/>
+                                        </p:tgtEl>
+                                        <p:attrNameLst>
+                                          <p:attrName>ppt_x</p:attrName>
+                                        </p:attrNameLst>
+                                      </p:cBhvr>
+                                      <p:tavLst>
+                                        <p:tav tm="0">
+                                          <p:val>
+                                            <p:strVal val="#ppt_x"/>
+                                          </p:val>
+                                        </p:tav>
+                                        <p:tav tm="100000">
+                                          <p:val>
+                                            <p:strVal val="#ppt_x"/>
+                                          </p:val>
+                                        </p:tav>
+                                      </p:tavLst>
+                                    </p:anim>
+                                    <p:anim calcmode="lin" valueType="num">
+                                      <p:cBhvr additive="base">
+                                        <p:cTn id="22" dur="500" fill="hold"/>
+                                        <p:tgtEl>
+                                          <p:spTgt spid="15"/>
+                                        </p:tgtEl>
+                                        <p:attrNameLst>
+                                          <p:attrName>ppt_y</p:attrName>
+                                        </p:attrNameLst>
+                                      </p:cBhvr>
+                                      <p:tavLst>
+                                        <p:tav tm="0">
+                                          <p:val>
+                                            <p:strVal val="1+#ppt_h/2"/>
+                                          </p:val>
+                                        </p:tav>
+                                        <p:tav tm="100000">
+                                          <p:val>
+                                            <p:strVal val="#ppt_y"/>
+                                          </p:val>
+                                        </p:tav>
+                                      </p:tavLst>
+                                    </p:anim>
+                                  </p:childTnLst>
+                                </p:cTn>
+                              </p:par>
+                            </p:childTnLst>
+                          </p:cTn>
+                        </p:par>
+                      </p:childTnLst>
+                    </p:cTn>
+                  </p:par>
+                </p:childTnLst>
+              </p:cTn>
+              <p:prevCondLst>
+                <p:cond evt="onPrev" delay="0">
+                  <p:tgtEl>
+                    <p:sldTgt/>
+                  </p:tgtEl>
+                </p:cond>
+              </p:prevCondLst>
+              <p:nextCondLst>
+                <p:cond evt="onNext" delay="0">
+                  <p:tgtEl>
+                    <p:sldTgt/>
+                  </p:tgtEl>
+                </p:cond>
+              </p:nextCondLst>
+            </p:seq>
+          </p:childTnLst>
+        </p:cTn>
+      </p:par>
+    </p:tnLst>
+    <p:bldLst>
+      <p:bldP spid="10" grpId="0" animBg="1"/>
+      <p:bldP spid="15" grpId="0" animBg="1"/>
+    </p:bldLst>
+  </p:timing>
+</p:sld>
+</file>
+
 <file path=ppt/slides/slide7.xml><?xml version="1.0" encoding="utf-8"?>
 <p:sld xmlns:a="http://schemas.openxmlformats.org/drawingml/2006/main" xmlns:r="http://schemas.openxmlformats.org/officeDocument/2006/relationships" xmlns:p="http://schemas.openxmlformats.org/presentationml/2006/main">
   <p:cSld>
@@ -12343,6 +15958,163 @@
   <p:cSld>
     <p:bg>
       <p:bgPr>
+        <a:solidFill>
+          <a:schemeClr val="accent5">
+            <a:lumMod val="60000"/>
+            <a:lumOff val="40000"/>
+          </a:schemeClr>
+        </a:solidFill>
+        <a:effectLst/>
+      </p:bgPr>
+    </p:bg>
+    <p:spTree>
+      <p:nvGrpSpPr>
+        <p:cNvPr id="1" name=""/>
+        <p:cNvGrpSpPr/>
+        <p:nvPr/>
+      </p:nvGrpSpPr>
+      <p:grpSpPr>
+        <a:xfrm>
+          <a:off x="0" y="0"/>
+          <a:ext cx="0" cy="0"/>
+          <a:chOff x="0" y="0"/>
+          <a:chExt cx="0" cy="0"/>
+        </a:xfrm>
+      </p:grpSpPr>
+      <p:sp>
+        <p:nvSpPr>
+          <p:cNvPr id="3" name="TextBox 2">
+            <a:extLst>
+              <a:ext uri="{FF2B5EF4-FFF2-40B4-BE49-F238E27FC236}">
+                <a16:creationId xmlns:a16="http://schemas.microsoft.com/office/drawing/2014/main" id="{26507BF2-78D5-4129-85F9-907E68824112}"/>
+              </a:ext>
+            </a:extLst>
+          </p:cNvPr>
+          <p:cNvSpPr txBox="1"/>
+          <p:nvPr/>
+        </p:nvSpPr>
+        <p:spPr>
+          <a:xfrm>
+            <a:off x="5081587" y="100013"/>
+            <a:ext cx="2028825" cy="584775"/>
+          </a:xfrm>
+          <a:prstGeom prst="rect">
+            <a:avLst/>
+          </a:prstGeom>
+          <a:noFill/>
+        </p:spPr>
+        <p:txBody>
+          <a:bodyPr wrap="square" rtlCol="0">
+            <a:spAutoFit/>
+          </a:bodyPr>
+          <a:lstStyle/>
+          <a:p>
+            <a:r>
+              <a:rPr lang="en-US" sz="3200" b="1" u="sng" dirty="0">
+                <a:solidFill>
+                  <a:schemeClr val="accent1">
+                    <a:lumMod val="50000"/>
+                  </a:schemeClr>
+                </a:solidFill>
+              </a:rPr>
+              <a:t>Tools Used</a:t>
+            </a:r>
+          </a:p>
+        </p:txBody>
+      </p:sp>
+      <p:pic>
+        <p:nvPicPr>
+          <p:cNvPr id="7" name="Picture 6">
+            <a:extLst>
+              <a:ext uri="{FF2B5EF4-FFF2-40B4-BE49-F238E27FC236}">
+                <a16:creationId xmlns:a16="http://schemas.microsoft.com/office/drawing/2014/main" id="{2C9E71FC-E39B-4D70-A9DC-9948A25455F6}"/>
+              </a:ext>
+            </a:extLst>
+          </p:cNvPr>
+          <p:cNvPicPr>
+            <a:picLocks noChangeAspect="1"/>
+          </p:cNvPicPr>
+          <p:nvPr/>
+        </p:nvPicPr>
+        <p:blipFill>
+          <a:blip r:embed="rId2">
+            <a:extLst>
+              <a:ext uri="{28A0092B-C50C-407E-A947-70E740481C1C}">
+                <a14:useLocalDpi xmlns:a14="http://schemas.microsoft.com/office/drawing/2010/main" val="0"/>
+              </a:ext>
+            </a:extLst>
+          </a:blip>
+          <a:stretch>
+            <a:fillRect/>
+          </a:stretch>
+        </p:blipFill>
+        <p:spPr>
+          <a:xfrm>
+            <a:off x="2426659" y="2025212"/>
+            <a:ext cx="2654928" cy="2984625"/>
+          </a:xfrm>
+          <a:prstGeom prst="rect">
+            <a:avLst/>
+          </a:prstGeom>
+        </p:spPr>
+      </p:pic>
+      <p:pic>
+        <p:nvPicPr>
+          <p:cNvPr id="9" name="Picture 8">
+            <a:extLst>
+              <a:ext uri="{FF2B5EF4-FFF2-40B4-BE49-F238E27FC236}">
+                <a16:creationId xmlns:a16="http://schemas.microsoft.com/office/drawing/2014/main" id="{1DDEF7A9-6C96-4EBE-8E53-3C61DE1B65E9}"/>
+              </a:ext>
+            </a:extLst>
+          </p:cNvPr>
+          <p:cNvPicPr>
+            <a:picLocks noChangeAspect="1"/>
+          </p:cNvPicPr>
+          <p:nvPr/>
+        </p:nvPicPr>
+        <p:blipFill>
+          <a:blip r:embed="rId3">
+            <a:extLst>
+              <a:ext uri="{28A0092B-C50C-407E-A947-70E740481C1C}">
+                <a14:useLocalDpi xmlns:a14="http://schemas.microsoft.com/office/drawing/2010/main" val="0"/>
+              </a:ext>
+            </a:extLst>
+          </a:blip>
+          <a:stretch>
+            <a:fillRect/>
+          </a:stretch>
+        </p:blipFill>
+        <p:spPr>
+          <a:xfrm>
+            <a:off x="7110412" y="2025212"/>
+            <a:ext cx="2807576" cy="2807576"/>
+          </a:xfrm>
+          <a:prstGeom prst="rect">
+            <a:avLst/>
+          </a:prstGeom>
+        </p:spPr>
+      </p:pic>
+    </p:spTree>
+    <p:extLst>
+      <p:ext uri="{BB962C8B-B14F-4D97-AF65-F5344CB8AC3E}">
+        <p14:creationId xmlns:p14="http://schemas.microsoft.com/office/powerpoint/2010/main" val="3934874856"/>
+      </p:ext>
+    </p:extLst>
+  </p:cSld>
+  <p:clrMapOvr>
+    <a:masterClrMapping/>
+  </p:clrMapOvr>
+  <p:transition spd="slow">
+    <p:push dir="u"/>
+  </p:transition>
+</p:sld>
+</file>
+
+<file path=ppt/slides/slide9.xml><?xml version="1.0" encoding="utf-8"?>
+<p:sld xmlns:a="http://schemas.openxmlformats.org/drawingml/2006/main" xmlns:r="http://schemas.openxmlformats.org/officeDocument/2006/relationships" xmlns:p="http://schemas.openxmlformats.org/presentationml/2006/main">
+  <p:cSld>
+    <p:bg>
+      <p:bgPr>
         <a:gradFill>
           <a:gsLst>
             <a:gs pos="0">
@@ -12434,47 +16206,6 @@
   <p:transition spd="slow">
     <p:wipe/>
   </p:transition>
-</p:sld>
-</file>
-
-<file path=ppt/slides/slide9.xml><?xml version="1.0" encoding="utf-8"?>
-<p:sld xmlns:a="http://schemas.openxmlformats.org/drawingml/2006/main" xmlns:r="http://schemas.openxmlformats.org/officeDocument/2006/relationships" xmlns:p="http://schemas.openxmlformats.org/presentationml/2006/main">
-  <p:cSld>
-    <p:bg>
-      <p:bgPr>
-        <a:blipFill>
-          <a:blip r:embed="rId2"/>
-          <a:stretch>
-            <a:fillRect/>
-          </a:stretch>
-        </a:blipFill>
-        <a:effectLst/>
-      </p:bgPr>
-    </p:bg>
-    <p:spTree>
-      <p:nvGrpSpPr>
-        <p:cNvPr id="1" name=""/>
-        <p:cNvGrpSpPr/>
-        <p:nvPr/>
-      </p:nvGrpSpPr>
-      <p:grpSpPr>
-        <a:xfrm>
-          <a:off x="0" y="0"/>
-          <a:ext cx="0" cy="0"/>
-          <a:chOff x="0" y="0"/>
-          <a:chExt cx="0" cy="0"/>
-        </a:xfrm>
-      </p:grpSpPr>
-    </p:spTree>
-    <p:extLst>
-      <p:ext uri="{BB962C8B-B14F-4D97-AF65-F5344CB8AC3E}">
-        <p14:creationId xmlns:p14="http://schemas.microsoft.com/office/powerpoint/2010/main" val="1162540634"/>
-      </p:ext>
-    </p:extLst>
-  </p:cSld>
-  <p:clrMapOvr>
-    <a:masterClrMapping/>
-  </p:clrMapOvr>
 </p:sld>
 </file>
 
